--- a/module-3/ppt/3.0-Overview.pptx
+++ b/module-3/ppt/3.0-Overview.pptx
@@ -16,9 +16,9 @@
     <p:sldId id="614" r:id="rId7"/>
     <p:sldId id="616" r:id="rId8"/>
     <p:sldId id="2611" r:id="rId9"/>
-    <p:sldId id="2616" r:id="rId10"/>
-    <p:sldId id="2615" r:id="rId11"/>
-    <p:sldId id="2625" r:id="rId12"/>
+    <p:sldId id="2625" r:id="rId10"/>
+    <p:sldId id="2616" r:id="rId11"/>
+    <p:sldId id="2615" r:id="rId12"/>
     <p:sldId id="2617" r:id="rId13"/>
     <p:sldId id="2626" r:id="rId14"/>
     <p:sldId id="2628" r:id="rId15"/>
@@ -12415,7 +12415,7 @@
                 <a:latin typeface="Arial" panose="020B0604020202020204" pitchFamily="34" charset="0"/>
                 <a:cs typeface="Arial" panose="020B0604020202020204" pitchFamily="34" charset="0"/>
               </a:rPr>
-              <a:t>Overview and Attacks</a:t>
+              <a:t>Overview</a:t>
             </a:r>
           </a:p>
           <a:p>
@@ -12721,7 +12721,7 @@
           <p:cNvPr id="5" name="Title 4">
             <a:extLst>
               <a:ext uri="{FF2B5EF4-FFF2-40B4-BE49-F238E27FC236}">
-                <a16:creationId xmlns:a16="http://schemas.microsoft.com/office/drawing/2014/main" id="{4E2547A2-3929-504C-B491-D57575516C79}"/>
+                <a16:creationId xmlns:a16="http://schemas.microsoft.com/office/drawing/2014/main" id="{3C485A7A-6D4C-6449-95D3-D40C9E876BB6}"/>
               </a:ext>
             </a:extLst>
           </p:cNvPr>
@@ -12729,109 +12729,35 @@
             <a:spLocks noGrp="1"/>
           </p:cNvSpPr>
           <p:nvPr>
-            <p:ph type="title"/>
+            <p:ph type="ctrTitle"/>
           </p:nvPr>
         </p:nvSpPr>
         <p:spPr/>
         <p:txBody>
-          <a:bodyPr/>
+          <a:bodyPr>
+            <a:normAutofit/>
+          </a:bodyPr>
           <a:lstStyle/>
           <a:p>
             <a:r>
-              <a:rPr lang="en-US" dirty="0"/>
-              <a:t>Simple Example: Naïve Bayes</a:t>
-            </a:r>
-          </a:p>
-        </p:txBody>
-      </p:sp>
-      <p:sp>
-        <p:nvSpPr>
-          <p:cNvPr id="6" name="Content Placeholder 5">
-            <a:extLst>
-              <a:ext uri="{FF2B5EF4-FFF2-40B4-BE49-F238E27FC236}">
-                <a16:creationId xmlns:a16="http://schemas.microsoft.com/office/drawing/2014/main" id="{EA0BDB3B-E648-A74B-9CD8-3E55D1D39FFD}"/>
-              </a:ext>
-            </a:extLst>
-          </p:cNvPr>
-          <p:cNvSpPr>
-            <a:spLocks noGrp="1"/>
-          </p:cNvSpPr>
-          <p:nvPr>
-            <p:ph idx="1"/>
-          </p:nvPr>
-        </p:nvSpPr>
-        <p:spPr/>
-        <p:txBody>
-          <a:bodyPr/>
-          <a:lstStyle/>
-          <a:p>
-            <a:r>
-              <a:rPr lang="en-US" dirty="0"/>
-              <a:t>Intuition: Words in spam emails differ from those in legitimate email.</a:t>
-            </a:r>
-          </a:p>
-          <a:p>
-            <a:endParaRPr lang="en-US" dirty="0"/>
-          </a:p>
-          <a:p>
-            <a:r>
-              <a:rPr lang="en-US" dirty="0"/>
-              <a:t>Can use prior probabilities of seeing a word, given spam or ham, to compute posteriors of spam or ham.</a:t>
-            </a:r>
-          </a:p>
-          <a:p>
-            <a:endParaRPr lang="en-US" dirty="0"/>
-          </a:p>
-          <a:p>
-            <a:r>
-              <a:rPr lang="en-US" dirty="0"/>
-              <a:t>Common early-stage spam filter (e.g., </a:t>
-            </a:r>
-            <a:r>
-              <a:rPr lang="en-US" dirty="0" err="1"/>
-              <a:t>SpamAssassin</a:t>
-            </a:r>
-            <a:r>
-              <a:rPr lang="en-US" dirty="0"/>
-              <a:t>)</a:t>
-            </a:r>
-          </a:p>
-        </p:txBody>
-      </p:sp>
-      <p:sp>
-        <p:nvSpPr>
-          <p:cNvPr id="4" name="Slide Number Placeholder 3">
-            <a:extLst>
-              <a:ext uri="{FF2B5EF4-FFF2-40B4-BE49-F238E27FC236}">
-                <a16:creationId xmlns:a16="http://schemas.microsoft.com/office/drawing/2014/main" id="{C89EADC0-0074-1044-B99A-E9C79066FD4F}"/>
-              </a:ext>
-            </a:extLst>
-          </p:cNvPr>
-          <p:cNvSpPr>
-            <a:spLocks noGrp="1"/>
-          </p:cNvSpPr>
-          <p:nvPr>
-            <p:ph type="sldNum" sz="quarter" idx="12"/>
-          </p:nvPr>
-        </p:nvSpPr>
-        <p:spPr/>
-        <p:txBody>
-          <a:bodyPr/>
-          <a:lstStyle/>
-          <a:p>
-            <a:fld id="{256CE055-ECFD-9048-9FD8-7E2D8656A4F7}" type="slidenum">
-              <a:rPr lang="en-US" smtClean="0"/>
-              <a:pPr/>
-              <a:t>10</a:t>
-            </a:fld>
-            <a:endParaRPr lang="en-US" dirty="0"/>
+              <a:rPr lang="en-US" sz="4000" dirty="0"/>
+              <a:t>DEMONSTRATION:</a:t>
+            </a:r>
+            <a:br>
+              <a:rPr lang="en-US" sz="4000" dirty="0"/>
+            </a:br>
+            <a:r>
+              <a:rPr lang="en-US" sz="4000"/>
+              <a:t>SPAM Detection</a:t>
+            </a:r>
+            <a:endParaRPr lang="en-US" sz="4000" dirty="0"/>
           </a:p>
         </p:txBody>
       </p:sp>
     </p:spTree>
     <p:extLst>
       <p:ext uri="{BB962C8B-B14F-4D97-AF65-F5344CB8AC3E}">
-        <p14:creationId xmlns:p14="http://schemas.microsoft.com/office/powerpoint/2010/main" val="2421584383"/>
+        <p14:creationId xmlns:p14="http://schemas.microsoft.com/office/powerpoint/2010/main" val="3762927356"/>
       </p:ext>
     </p:extLst>
   </p:cSld>
@@ -13611,7 +13537,7 @@
           <a:p>
             <a:r>
               <a:rPr lang="en-US" dirty="0"/>
-              <a:t>Spam: A persistent security threat</a:t>
+              <a:t>Spam: A Persistent Security Threat</a:t>
             </a:r>
           </a:p>
         </p:txBody>
@@ -13660,35 +13586,6 @@
           </a:p>
           <a:p>
             <a:endParaRPr lang="en-US" dirty="0"/>
-          </a:p>
-        </p:txBody>
-      </p:sp>
-      <p:sp>
-        <p:nvSpPr>
-          <p:cNvPr id="3" name="Text Placeholder 2"/>
-          <p:cNvSpPr>
-            <a:spLocks noGrp="1"/>
-          </p:cNvSpPr>
-          <p:nvPr>
-            <p:ph type="body" sz="quarter" idx="4294967295"/>
-          </p:nvPr>
-        </p:nvSpPr>
-        <p:spPr>
-          <a:xfrm>
-            <a:off x="0" y="19050"/>
-            <a:ext cx="2286000" cy="393700"/>
-          </a:xfrm>
-        </p:spPr>
-        <p:txBody>
-          <a:bodyPr>
-            <a:normAutofit fontScale="85000" lnSpcReduction="20000"/>
-          </a:bodyPr>
-          <a:lstStyle/>
-          <a:p>
-            <a:r>
-              <a:rPr lang="en-US" dirty="0"/>
-              <a:t>Introduction</a:t>
-            </a:r>
           </a:p>
         </p:txBody>
       </p:sp>
@@ -13769,7 +13666,7 @@
           <a:p>
             <a:r>
               <a:rPr lang="en-US" dirty="0"/>
-              <a:t>Negative impact of spam</a:t>
+              <a:t>Negative Impact of Spam</a:t>
             </a:r>
           </a:p>
         </p:txBody>
@@ -13784,7 +13681,12 @@
             <p:ph idx="1"/>
           </p:nvPr>
         </p:nvSpPr>
-        <p:spPr/>
+        <p:spPr>
+          <a:xfrm>
+            <a:off x="838199" y="1440145"/>
+            <a:ext cx="10515600" cy="4157428"/>
+          </a:xfrm>
+        </p:spPr>
         <p:txBody>
           <a:bodyPr>
             <a:normAutofit lnSpcReduction="10000"/>
@@ -13897,35 +13799,6 @@
               <a:t>trojans</a:t>
             </a:r>
             <a:endParaRPr lang="en-US" sz="2200" dirty="0"/>
-          </a:p>
-        </p:txBody>
-      </p:sp>
-      <p:sp>
-        <p:nvSpPr>
-          <p:cNvPr id="3" name="Text Placeholder 2"/>
-          <p:cNvSpPr>
-            <a:spLocks noGrp="1"/>
-          </p:cNvSpPr>
-          <p:nvPr>
-            <p:ph type="body" sz="quarter" idx="4294967295"/>
-          </p:nvPr>
-        </p:nvSpPr>
-        <p:spPr>
-          <a:xfrm>
-            <a:off x="0" y="19050"/>
-            <a:ext cx="2286000" cy="393700"/>
-          </a:xfrm>
-        </p:spPr>
-        <p:txBody>
-          <a:bodyPr>
-            <a:normAutofit fontScale="85000" lnSpcReduction="20000"/>
-          </a:bodyPr>
-          <a:lstStyle/>
-          <a:p>
-            <a:r>
-              <a:rPr lang="en-US" dirty="0"/>
-              <a:t>Introduction</a:t>
-            </a:r>
           </a:p>
         </p:txBody>
       </p:sp>
@@ -13976,7 +13849,7 @@
         </p:nvSpPr>
         <p:spPr bwMode="auto">
           <a:xfrm>
-            <a:off x="1790639" y="5933023"/>
+            <a:off x="163007" y="5506004"/>
             <a:ext cx="5643094" cy="666754"/>
           </a:xfrm>
           <a:prstGeom prst="rect">
@@ -14008,35 +13881,35 @@
               <a:defRPr/>
             </a:pPr>
             <a:r>
-              <a:rPr lang="en-US" sz="2000" kern="0" dirty="0">
+              <a:rPr lang="en-US" sz="1600" kern="0" dirty="0">
                 <a:latin typeface="Arial"/>
                 <a:cs typeface="Arial"/>
               </a:rPr>
               <a:t>*</a:t>
             </a:r>
             <a:r>
-              <a:rPr lang="en-US" sz="1400" kern="0" dirty="0" err="1">
+              <a:rPr lang="en-US" sz="1100" kern="0" dirty="0" err="1">
                 <a:latin typeface="Arial"/>
                 <a:cs typeface="Arial"/>
               </a:rPr>
               <a:t>Rao</a:t>
             </a:r>
             <a:r>
-              <a:rPr lang="en-US" sz="1400" kern="0" dirty="0">
+              <a:rPr lang="en-US" sz="1100" kern="0" dirty="0">
                 <a:latin typeface="Arial"/>
                 <a:cs typeface="Arial"/>
               </a:rPr>
               <a:t> </a:t>
             </a:r>
             <a:r>
-              <a:rPr lang="en-US" sz="1400" i="1" kern="0" dirty="0">
+              <a:rPr lang="en-US" sz="1100" i="1" kern="0" dirty="0">
                 <a:latin typeface="Arial"/>
                 <a:cs typeface="Arial"/>
               </a:rPr>
               <a:t>et al</a:t>
             </a:r>
             <a:r>
-              <a:rPr lang="en-US" sz="1400" kern="0" dirty="0">
+              <a:rPr lang="en-US" sz="1100" kern="0" dirty="0">
                 <a:latin typeface="Arial"/>
                 <a:cs typeface="Arial"/>
               </a:rPr>
@@ -14054,7 +13927,7 @@
               <a:defRPr/>
             </a:pPr>
             <a:r>
-              <a:rPr lang="en-US" sz="1400" kern="0" dirty="0">
+              <a:rPr lang="en-US" sz="1100" kern="0" dirty="0">
                 <a:latin typeface="Arial"/>
                 <a:cs typeface="Arial"/>
               </a:rPr>
@@ -14405,10 +14278,92 @@
       </p:grpSpPr>
       <p:sp>
         <p:nvSpPr>
+          <p:cNvPr id="5" name="Title 4">
+            <a:extLst>
+              <a:ext uri="{FF2B5EF4-FFF2-40B4-BE49-F238E27FC236}">
+                <a16:creationId xmlns:a16="http://schemas.microsoft.com/office/drawing/2014/main" id="{4E2547A2-3929-504C-B491-D57575516C79}"/>
+              </a:ext>
+            </a:extLst>
+          </p:cNvPr>
+          <p:cNvSpPr>
+            <a:spLocks noGrp="1"/>
+          </p:cNvSpPr>
+          <p:nvPr>
+            <p:ph type="title"/>
+          </p:nvPr>
+        </p:nvSpPr>
+        <p:spPr/>
+        <p:txBody>
+          <a:bodyPr/>
+          <a:lstStyle/>
+          <a:p>
+            <a:r>
+              <a:rPr lang="en-US" dirty="0"/>
+              <a:t>Simple Example: Naïve Bayes</a:t>
+            </a:r>
+          </a:p>
+        </p:txBody>
+      </p:sp>
+      <p:sp>
+        <p:nvSpPr>
+          <p:cNvPr id="6" name="Content Placeholder 5">
+            <a:extLst>
+              <a:ext uri="{FF2B5EF4-FFF2-40B4-BE49-F238E27FC236}">
+                <a16:creationId xmlns:a16="http://schemas.microsoft.com/office/drawing/2014/main" id="{EA0BDB3B-E648-A74B-9CD8-3E55D1D39FFD}"/>
+              </a:ext>
+            </a:extLst>
+          </p:cNvPr>
+          <p:cNvSpPr>
+            <a:spLocks noGrp="1"/>
+          </p:cNvSpPr>
+          <p:nvPr>
+            <p:ph idx="1"/>
+          </p:nvPr>
+        </p:nvSpPr>
+        <p:spPr/>
+        <p:txBody>
+          <a:bodyPr/>
+          <a:lstStyle/>
+          <a:p>
+            <a:r>
+              <a:rPr lang="en-US" dirty="0"/>
+              <a:t>Intuition: Words in spam emails differ from those in legitimate email.</a:t>
+            </a:r>
+          </a:p>
+          <a:p>
+            <a:endParaRPr lang="en-US" dirty="0"/>
+          </a:p>
+          <a:p>
+            <a:r>
+              <a:rPr lang="en-US" dirty="0"/>
+              <a:t>Can use prior probabilities of seeing a word, given spam or ham, to compute posteriors of spam or ham.</a:t>
+            </a:r>
+          </a:p>
+          <a:p>
+            <a:endParaRPr lang="en-US" dirty="0"/>
+          </a:p>
+          <a:p>
+            <a:r>
+              <a:rPr lang="en-US" dirty="0"/>
+              <a:t>Common early-stage spam filter (e.g., </a:t>
+            </a:r>
+            <a:r>
+              <a:rPr lang="en-US" dirty="0" err="1"/>
+              <a:t>SpamAssassin</a:t>
+            </a:r>
+            <a:r>
+              <a:rPr lang="en-US" dirty="0"/>
+              <a:t>)</a:t>
+            </a:r>
+          </a:p>
+        </p:txBody>
+      </p:sp>
+      <p:sp>
+        <p:nvSpPr>
           <p:cNvPr id="4" name="Slide Number Placeholder 3">
             <a:extLst>
               <a:ext uri="{FF2B5EF4-FFF2-40B4-BE49-F238E27FC236}">
-                <a16:creationId xmlns:a16="http://schemas.microsoft.com/office/drawing/2014/main" id="{E8315983-1A0A-F946-8B47-745D62F8B4F8}"/>
+                <a16:creationId xmlns:a16="http://schemas.microsoft.com/office/drawing/2014/main" id="{C89EADC0-0074-1044-B99A-E9C79066FD4F}"/>
               </a:ext>
             </a:extLst>
           </p:cNvPr>
@@ -14433,40 +14388,10 @@
           </a:p>
         </p:txBody>
       </p:sp>
-      <p:pic>
-        <p:nvPicPr>
-          <p:cNvPr id="5" name="Picture 4">
-            <a:extLst>
-              <a:ext uri="{FF2B5EF4-FFF2-40B4-BE49-F238E27FC236}">
-                <a16:creationId xmlns:a16="http://schemas.microsoft.com/office/drawing/2014/main" id="{4D5A34B4-FFB1-F844-A741-9019466DEC8A}"/>
-              </a:ext>
-            </a:extLst>
-          </p:cNvPr>
-          <p:cNvPicPr>
-            <a:picLocks noChangeAspect="1"/>
-          </p:cNvPicPr>
-          <p:nvPr/>
-        </p:nvPicPr>
-        <p:blipFill>
-          <a:blip r:embed="rId2"/>
-          <a:stretch>
-            <a:fillRect/>
-          </a:stretch>
-        </p:blipFill>
-        <p:spPr>
-          <a:xfrm>
-            <a:off x="1377829" y="112064"/>
-            <a:ext cx="9357453" cy="5868112"/>
-          </a:xfrm>
-          <a:prstGeom prst="rect">
-            <a:avLst/>
-          </a:prstGeom>
-        </p:spPr>
-      </p:pic>
     </p:spTree>
     <p:extLst>
       <p:ext uri="{BB962C8B-B14F-4D97-AF65-F5344CB8AC3E}">
-        <p14:creationId xmlns:p14="http://schemas.microsoft.com/office/powerpoint/2010/main" val="966193772"/>
+        <p14:creationId xmlns:p14="http://schemas.microsoft.com/office/powerpoint/2010/main" val="2421584383"/>
       </p:ext>
     </p:extLst>
   </p:cSld>
@@ -14495,10 +14420,10 @@
       </p:grpSpPr>
       <p:sp>
         <p:nvSpPr>
-          <p:cNvPr id="5" name="Title 4">
+          <p:cNvPr id="4" name="Slide Number Placeholder 3">
             <a:extLst>
               <a:ext uri="{FF2B5EF4-FFF2-40B4-BE49-F238E27FC236}">
-                <a16:creationId xmlns:a16="http://schemas.microsoft.com/office/drawing/2014/main" id="{3C485A7A-6D4C-6449-95D3-D40C9E876BB6}"/>
+                <a16:creationId xmlns:a16="http://schemas.microsoft.com/office/drawing/2014/main" id="{E8315983-1A0A-F946-8B47-745D62F8B4F8}"/>
               </a:ext>
             </a:extLst>
           </p:cNvPr>
@@ -14506,35 +14431,57 @@
             <a:spLocks noGrp="1"/>
           </p:cNvSpPr>
           <p:nvPr>
-            <p:ph type="ctrTitle"/>
+            <p:ph type="sldNum" sz="quarter" idx="12"/>
           </p:nvPr>
         </p:nvSpPr>
         <p:spPr/>
         <p:txBody>
-          <a:bodyPr>
-            <a:normAutofit/>
-          </a:bodyPr>
+          <a:bodyPr/>
           <a:lstStyle/>
           <a:p>
-            <a:r>
-              <a:rPr lang="en-US" sz="4000" dirty="0"/>
-              <a:t>DEMONSTRATION:</a:t>
-            </a:r>
-            <a:br>
-              <a:rPr lang="en-US" sz="4000" dirty="0"/>
-            </a:br>
-            <a:r>
-              <a:rPr lang="en-US" sz="4000"/>
-              <a:t>SPAM Detection</a:t>
-            </a:r>
-            <a:endParaRPr lang="en-US" sz="4000" dirty="0"/>
-          </a:p>
-        </p:txBody>
-      </p:sp>
+            <a:fld id="{256CE055-ECFD-9048-9FD8-7E2D8656A4F7}" type="slidenum">
+              <a:rPr lang="en-US" smtClean="0"/>
+              <a:pPr/>
+              <a:t>9</a:t>
+            </a:fld>
+            <a:endParaRPr lang="en-US" dirty="0"/>
+          </a:p>
+        </p:txBody>
+      </p:sp>
+      <p:pic>
+        <p:nvPicPr>
+          <p:cNvPr id="5" name="Picture 4">
+            <a:extLst>
+              <a:ext uri="{FF2B5EF4-FFF2-40B4-BE49-F238E27FC236}">
+                <a16:creationId xmlns:a16="http://schemas.microsoft.com/office/drawing/2014/main" id="{4D5A34B4-FFB1-F844-A741-9019466DEC8A}"/>
+              </a:ext>
+            </a:extLst>
+          </p:cNvPr>
+          <p:cNvPicPr>
+            <a:picLocks noChangeAspect="1"/>
+          </p:cNvPicPr>
+          <p:nvPr/>
+        </p:nvPicPr>
+        <p:blipFill>
+          <a:blip r:embed="rId2"/>
+          <a:stretch>
+            <a:fillRect/>
+          </a:stretch>
+        </p:blipFill>
+        <p:spPr>
+          <a:xfrm>
+            <a:off x="1377829" y="112064"/>
+            <a:ext cx="9357453" cy="5868112"/>
+          </a:xfrm>
+          <a:prstGeom prst="rect">
+            <a:avLst/>
+          </a:prstGeom>
+        </p:spPr>
+      </p:pic>
     </p:spTree>
     <p:extLst>
       <p:ext uri="{BB962C8B-B14F-4D97-AF65-F5344CB8AC3E}">
-        <p14:creationId xmlns:p14="http://schemas.microsoft.com/office/powerpoint/2010/main" val="3762927356"/>
+        <p14:creationId xmlns:p14="http://schemas.microsoft.com/office/powerpoint/2010/main" val="966193772"/>
       </p:ext>
     </p:extLst>
   </p:cSld>

--- a/module-3/ppt/3.0-Overview.pptx
+++ b/module-3/ppt/3.0-Overview.pptx
@@ -6,23 +6,24 @@
     <p:sldMasterId id="2147483671" r:id="rId2"/>
   </p:sldMasterIdLst>
   <p:notesMasterIdLst>
-    <p:notesMasterId r:id="rId17"/>
+    <p:notesMasterId r:id="rId18"/>
   </p:notesMasterIdLst>
   <p:sldIdLst>
     <p:sldId id="2602" r:id="rId3"/>
-    <p:sldId id="330" r:id="rId4"/>
-    <p:sldId id="2608" r:id="rId5"/>
-    <p:sldId id="2614" r:id="rId6"/>
-    <p:sldId id="614" r:id="rId7"/>
-    <p:sldId id="616" r:id="rId8"/>
-    <p:sldId id="2611" r:id="rId9"/>
-    <p:sldId id="2625" r:id="rId10"/>
-    <p:sldId id="2616" r:id="rId11"/>
-    <p:sldId id="2615" r:id="rId12"/>
-    <p:sldId id="2617" r:id="rId13"/>
-    <p:sldId id="2626" r:id="rId14"/>
-    <p:sldId id="2628" r:id="rId15"/>
-    <p:sldId id="2627" r:id="rId16"/>
+    <p:sldId id="333" r:id="rId4"/>
+    <p:sldId id="330" r:id="rId5"/>
+    <p:sldId id="2608" r:id="rId6"/>
+    <p:sldId id="2614" r:id="rId7"/>
+    <p:sldId id="614" r:id="rId8"/>
+    <p:sldId id="616" r:id="rId9"/>
+    <p:sldId id="2611" r:id="rId10"/>
+    <p:sldId id="2625" r:id="rId11"/>
+    <p:sldId id="2616" r:id="rId12"/>
+    <p:sldId id="2615" r:id="rId13"/>
+    <p:sldId id="2617" r:id="rId14"/>
+    <p:sldId id="2626" r:id="rId15"/>
+    <p:sldId id="2628" r:id="rId16"/>
+    <p:sldId id="2627" r:id="rId17"/>
   </p:sldIdLst>
   <p:sldSz cx="12192000" cy="6858000"/>
   <p:notesSz cx="6858000" cy="9144000"/>
@@ -211,7 +212,7 @@
           <a:p>
             <a:fld id="{ECC93BED-D6B3-334D-9CE3-F2869B7E72EB}" type="datetimeFigureOut">
               <a:rPr lang="en-US" smtClean="0"/>
-              <a:t>11/30/20</a:t>
+              <a:t>2/8/21</a:t>
             </a:fld>
             <a:endParaRPr lang="en-US"/>
           </a:p>
@@ -522,7 +523,86 @@
           <a:bodyPr/>
           <a:lstStyle/>
           <a:p>
-            <a:endParaRPr lang="en-US" strike="noStrike" dirty="0"/>
+            <a:pPr marL="0" marR="0" lvl="0" indent="0" algn="l" defTabSz="914400" rtl="0" eaLnBrk="1" fontAlgn="auto" latinLnBrk="0" hangingPunct="1">
+              <a:lnSpc>
+                <a:spcPct val="100000"/>
+              </a:lnSpc>
+              <a:spcBef>
+                <a:spcPts val="0"/>
+              </a:spcBef>
+              <a:spcAft>
+                <a:spcPts val="0"/>
+              </a:spcAft>
+              <a:buClrTx/>
+              <a:buSzTx/>
+              <a:buFontTx/>
+              <a:buNone/>
+              <a:tabLst/>
+              <a:defRPr/>
+            </a:pPr>
+            <a:r>
+              <a:rPr lang="en-US" dirty="0"/>
+              <a:t>A module focused on </a:t>
+            </a:r>
+            <a:r>
+              <a:rPr lang="en-US" b="1" dirty="0"/>
+              <a:t>machine learning fundamentals</a:t>
+            </a:r>
+            <a:r>
+              <a:rPr lang="en-US" dirty="0"/>
+              <a:t>, with </a:t>
+            </a:r>
+            <a:r>
+              <a:rPr lang="en-US" b="1" dirty="0"/>
+              <a:t>applications to security</a:t>
+            </a:r>
+            <a:r>
+              <a:rPr lang="en-US" dirty="0"/>
+              <a:t>. Introduction to the data science pipeline, and teach fundamental building blocks, from data ingestion and feature engineering to machine learning model selection. </a:t>
+            </a:r>
+          </a:p>
+          <a:p>
+            <a:pPr marL="0" marR="0" lvl="0" indent="0" algn="l" defTabSz="914400" rtl="0" eaLnBrk="1" fontAlgn="auto" latinLnBrk="0" hangingPunct="1">
+              <a:lnSpc>
+                <a:spcPct val="100000"/>
+              </a:lnSpc>
+              <a:spcBef>
+                <a:spcPts val="0"/>
+              </a:spcBef>
+              <a:spcAft>
+                <a:spcPts val="0"/>
+              </a:spcAft>
+              <a:buClrTx/>
+              <a:buSzTx/>
+              <a:buFontTx/>
+              <a:buNone/>
+              <a:tabLst/>
+              <a:defRPr/>
+            </a:pPr>
+            <a:endParaRPr lang="en-US" dirty="0"/>
+          </a:p>
+          <a:p>
+            <a:pPr marL="0" marR="0" lvl="0" indent="0" algn="l" defTabSz="914400" rtl="0" eaLnBrk="1" fontAlgn="auto" latinLnBrk="0" hangingPunct="1">
+              <a:lnSpc>
+                <a:spcPct val="100000"/>
+              </a:lnSpc>
+              <a:spcBef>
+                <a:spcPts val="0"/>
+              </a:spcBef>
+              <a:spcAft>
+                <a:spcPts val="0"/>
+              </a:spcAft>
+              <a:buClrTx/>
+              <a:buSzTx/>
+              <a:buFontTx/>
+              <a:buNone/>
+              <a:tabLst/>
+              <a:defRPr/>
+            </a:pPr>
+            <a:r>
+              <a:rPr lang="en-US" dirty="0"/>
+              <a:t>Modeling; Representation; Environment; Constraints (?)</a:t>
+            </a:r>
           </a:p>
         </p:txBody>
       </p:sp>
@@ -533,7 +613,7 @@
             <a:spLocks noGrp="1"/>
           </p:cNvSpPr>
           <p:nvPr>
-            <p:ph type="sldNum" sz="quarter" idx="10"/>
+            <p:ph type="sldNum" sz="quarter" idx="5"/>
           </p:nvPr>
         </p:nvSpPr>
         <p:spPr/>
@@ -541,9 +621,9 @@
           <a:bodyPr/>
           <a:lstStyle/>
           <a:p>
-            <a:fld id="{387D656D-43A4-B04C-9493-934C0D43B551}" type="slidenum">
+            <a:fld id="{5707DA70-B503-1645-A111-858C3E791C84}" type="slidenum">
               <a:rPr lang="en-US" smtClean="0"/>
-              <a:t>5</a:t>
+              <a:t>2</a:t>
             </a:fld>
             <a:endParaRPr lang="en-US"/>
           </a:p>
@@ -552,7 +632,7 @@
     </p:spTree>
     <p:extLst>
       <p:ext uri="{BB962C8B-B14F-4D97-AF65-F5344CB8AC3E}">
-        <p14:creationId xmlns:p14="http://schemas.microsoft.com/office/powerpoint/2010/main" val="2087550333"/>
+        <p14:creationId xmlns:p14="http://schemas.microsoft.com/office/powerpoint/2010/main" val="2207784436"/>
       </p:ext>
     </p:extLst>
   </p:cSld>
@@ -606,6 +686,90 @@
           <a:bodyPr/>
           <a:lstStyle/>
           <a:p>
+            <a:endParaRPr lang="en-US" strike="noStrike" dirty="0"/>
+          </a:p>
+        </p:txBody>
+      </p:sp>
+      <p:sp>
+        <p:nvSpPr>
+          <p:cNvPr id="4" name="Slide Number Placeholder 3"/>
+          <p:cNvSpPr>
+            <a:spLocks noGrp="1"/>
+          </p:cNvSpPr>
+          <p:nvPr>
+            <p:ph type="sldNum" sz="quarter" idx="10"/>
+          </p:nvPr>
+        </p:nvSpPr>
+        <p:spPr/>
+        <p:txBody>
+          <a:bodyPr/>
+          <a:lstStyle/>
+          <a:p>
+            <a:fld id="{387D656D-43A4-B04C-9493-934C0D43B551}" type="slidenum">
+              <a:rPr lang="en-US" smtClean="0"/>
+              <a:t>6</a:t>
+            </a:fld>
+            <a:endParaRPr lang="en-US"/>
+          </a:p>
+        </p:txBody>
+      </p:sp>
+    </p:spTree>
+    <p:extLst>
+      <p:ext uri="{BB962C8B-B14F-4D97-AF65-F5344CB8AC3E}">
+        <p14:creationId xmlns:p14="http://schemas.microsoft.com/office/powerpoint/2010/main" val="2087550333"/>
+      </p:ext>
+    </p:extLst>
+  </p:cSld>
+  <p:clrMapOvr>
+    <a:masterClrMapping/>
+  </p:clrMapOvr>
+</p:notes>
+</file>
+
+<file path=ppt/notesSlides/notesSlide3.xml><?xml version="1.0" encoding="utf-8"?>
+<p:notes xmlns:a="http://schemas.openxmlformats.org/drawingml/2006/main" xmlns:r="http://schemas.openxmlformats.org/officeDocument/2006/relationships" xmlns:p="http://schemas.openxmlformats.org/presentationml/2006/main">
+  <p:cSld>
+    <p:spTree>
+      <p:nvGrpSpPr>
+        <p:cNvPr id="1" name=""/>
+        <p:cNvGrpSpPr/>
+        <p:nvPr/>
+      </p:nvGrpSpPr>
+      <p:grpSpPr>
+        <a:xfrm>
+          <a:off x="0" y="0"/>
+          <a:ext cx="0" cy="0"/>
+          <a:chOff x="0" y="0"/>
+          <a:chExt cx="0" cy="0"/>
+        </a:xfrm>
+      </p:grpSpPr>
+      <p:sp>
+        <p:nvSpPr>
+          <p:cNvPr id="2" name="Slide Image Placeholder 1"/>
+          <p:cNvSpPr>
+            <a:spLocks noGrp="1" noRot="1" noChangeAspect="1"/>
+          </p:cNvSpPr>
+          <p:nvPr>
+            <p:ph type="sldImg"/>
+          </p:nvPr>
+        </p:nvSpPr>
+        <p:spPr/>
+      </p:sp>
+      <p:sp>
+        <p:nvSpPr>
+          <p:cNvPr id="3" name="Notes Placeholder 2"/>
+          <p:cNvSpPr>
+            <a:spLocks noGrp="1"/>
+          </p:cNvSpPr>
+          <p:nvPr>
+            <p:ph type="body" idx="1"/>
+          </p:nvPr>
+        </p:nvSpPr>
+        <p:spPr/>
+        <p:txBody>
+          <a:bodyPr/>
+          <a:lstStyle/>
+          <a:p>
             <a:pPr marL="0" marR="0" indent="0" algn="l" defTabSz="457200" rtl="0" eaLnBrk="1" fontAlgn="auto" latinLnBrk="0" hangingPunct="1">
               <a:lnSpc>
                 <a:spcPct val="100000"/>
@@ -644,7 +808,7 @@
           <a:p>
             <a:fld id="{387D656D-43A4-B04C-9493-934C0D43B551}" type="slidenum">
               <a:rPr lang="en-US" smtClean="0"/>
-              <a:t>6</a:t>
+              <a:t>7</a:t>
             </a:fld>
             <a:endParaRPr lang="en-US"/>
           </a:p>
@@ -1878,7 +2042,7 @@
           <a:p>
             <a:fld id="{AB492EBA-42DD-B247-A5CA-4B9F9327C47E}" type="datetimeFigureOut">
               <a:rPr lang="en-US" smtClean="0"/>
-              <a:t>11/30/20</a:t>
+              <a:t>2/8/21</a:t>
             </a:fld>
             <a:endParaRPr lang="en-US"/>
           </a:p>
@@ -1973,7 +2137,7 @@
           <a:p>
             <a:fld id="{AB492EBA-42DD-B247-A5CA-4B9F9327C47E}" type="datetimeFigureOut">
               <a:rPr lang="en-US" smtClean="0"/>
-              <a:t>11/30/20</a:t>
+              <a:t>2/8/21</a:t>
             </a:fld>
             <a:endParaRPr lang="en-US"/>
           </a:p>
@@ -10314,7 +10478,7 @@
           <a:p>
             <a:fld id="{2AAA8945-93FC-CD4D-85EF-05021FBA20E6}" type="datetimeFigureOut">
               <a:rPr lang="en-US" smtClean="0"/>
-              <a:t>11/30/20</a:t>
+              <a:t>2/8/21</a:t>
             </a:fld>
             <a:endParaRPr lang="en-US"/>
           </a:p>
@@ -10427,7 +10591,7 @@
           <a:p>
             <a:fld id="{2AAA8945-93FC-CD4D-85EF-05021FBA20E6}" type="datetimeFigureOut">
               <a:rPr lang="en-US" smtClean="0"/>
-              <a:t>11/30/20</a:t>
+              <a:t>2/8/21</a:t>
             </a:fld>
             <a:endParaRPr lang="en-US"/>
           </a:p>
@@ -12718,10 +12882,10 @@
       </p:grpSpPr>
       <p:sp>
         <p:nvSpPr>
-          <p:cNvPr id="5" name="Title 4">
+          <p:cNvPr id="4" name="Slide Number Placeholder 3">
             <a:extLst>
               <a:ext uri="{FF2B5EF4-FFF2-40B4-BE49-F238E27FC236}">
-                <a16:creationId xmlns:a16="http://schemas.microsoft.com/office/drawing/2014/main" id="{3C485A7A-6D4C-6449-95D3-D40C9E876BB6}"/>
+                <a16:creationId xmlns:a16="http://schemas.microsoft.com/office/drawing/2014/main" id="{E8315983-1A0A-F946-8B47-745D62F8B4F8}"/>
               </a:ext>
             </a:extLst>
           </p:cNvPr>
@@ -12729,35 +12893,57 @@
             <a:spLocks noGrp="1"/>
           </p:cNvSpPr>
           <p:nvPr>
-            <p:ph type="ctrTitle"/>
+            <p:ph type="sldNum" sz="quarter" idx="12"/>
           </p:nvPr>
         </p:nvSpPr>
         <p:spPr/>
         <p:txBody>
-          <a:bodyPr>
-            <a:normAutofit/>
-          </a:bodyPr>
+          <a:bodyPr/>
           <a:lstStyle/>
           <a:p>
-            <a:r>
-              <a:rPr lang="en-US" sz="4000" dirty="0"/>
-              <a:t>DEMONSTRATION:</a:t>
-            </a:r>
-            <a:br>
-              <a:rPr lang="en-US" sz="4000" dirty="0"/>
-            </a:br>
-            <a:r>
-              <a:rPr lang="en-US" sz="4000"/>
-              <a:t>SPAM Detection</a:t>
-            </a:r>
-            <a:endParaRPr lang="en-US" sz="4000" dirty="0"/>
-          </a:p>
-        </p:txBody>
-      </p:sp>
+            <a:fld id="{256CE055-ECFD-9048-9FD8-7E2D8656A4F7}" type="slidenum">
+              <a:rPr lang="en-US" smtClean="0"/>
+              <a:pPr/>
+              <a:t>10</a:t>
+            </a:fld>
+            <a:endParaRPr lang="en-US" dirty="0"/>
+          </a:p>
+        </p:txBody>
+      </p:sp>
+      <p:pic>
+        <p:nvPicPr>
+          <p:cNvPr id="5" name="Picture 4">
+            <a:extLst>
+              <a:ext uri="{FF2B5EF4-FFF2-40B4-BE49-F238E27FC236}">
+                <a16:creationId xmlns:a16="http://schemas.microsoft.com/office/drawing/2014/main" id="{4D5A34B4-FFB1-F844-A741-9019466DEC8A}"/>
+              </a:ext>
+            </a:extLst>
+          </p:cNvPr>
+          <p:cNvPicPr>
+            <a:picLocks noChangeAspect="1"/>
+          </p:cNvPicPr>
+          <p:nvPr/>
+        </p:nvPicPr>
+        <p:blipFill>
+          <a:blip r:embed="rId2"/>
+          <a:stretch>
+            <a:fillRect/>
+          </a:stretch>
+        </p:blipFill>
+        <p:spPr>
+          <a:xfrm>
+            <a:off x="1377829" y="112064"/>
+            <a:ext cx="9357453" cy="5868112"/>
+          </a:xfrm>
+          <a:prstGeom prst="rect">
+            <a:avLst/>
+          </a:prstGeom>
+        </p:spPr>
+      </p:pic>
     </p:spTree>
     <p:extLst>
       <p:ext uri="{BB962C8B-B14F-4D97-AF65-F5344CB8AC3E}">
-        <p14:creationId xmlns:p14="http://schemas.microsoft.com/office/powerpoint/2010/main" val="3762927356"/>
+        <p14:creationId xmlns:p14="http://schemas.microsoft.com/office/powerpoint/2010/main" val="966193772"/>
       </p:ext>
     </p:extLst>
   </p:cSld>
@@ -12786,6 +12972,74 @@
       </p:grpSpPr>
       <p:sp>
         <p:nvSpPr>
+          <p:cNvPr id="5" name="Title 4">
+            <a:extLst>
+              <a:ext uri="{FF2B5EF4-FFF2-40B4-BE49-F238E27FC236}">
+                <a16:creationId xmlns:a16="http://schemas.microsoft.com/office/drawing/2014/main" id="{3C485A7A-6D4C-6449-95D3-D40C9E876BB6}"/>
+              </a:ext>
+            </a:extLst>
+          </p:cNvPr>
+          <p:cNvSpPr>
+            <a:spLocks noGrp="1"/>
+          </p:cNvSpPr>
+          <p:nvPr>
+            <p:ph type="ctrTitle"/>
+          </p:nvPr>
+        </p:nvSpPr>
+        <p:spPr/>
+        <p:txBody>
+          <a:bodyPr>
+            <a:normAutofit/>
+          </a:bodyPr>
+          <a:lstStyle/>
+          <a:p>
+            <a:r>
+              <a:rPr lang="en-US" sz="4000" dirty="0"/>
+              <a:t>DEMONSTRATION:</a:t>
+            </a:r>
+            <a:br>
+              <a:rPr lang="en-US" sz="4000" dirty="0"/>
+            </a:br>
+            <a:r>
+              <a:rPr lang="en-US" sz="4000"/>
+              <a:t>SPAM Detection</a:t>
+            </a:r>
+            <a:endParaRPr lang="en-US" sz="4000" dirty="0"/>
+          </a:p>
+        </p:txBody>
+      </p:sp>
+    </p:spTree>
+    <p:extLst>
+      <p:ext uri="{BB962C8B-B14F-4D97-AF65-F5344CB8AC3E}">
+        <p14:creationId xmlns:p14="http://schemas.microsoft.com/office/powerpoint/2010/main" val="3762927356"/>
+      </p:ext>
+    </p:extLst>
+  </p:cSld>
+  <p:clrMapOvr>
+    <a:masterClrMapping/>
+  </p:clrMapOvr>
+</p:sld>
+</file>
+
+<file path=ppt/slides/slide12.xml><?xml version="1.0" encoding="utf-8"?>
+<p:sld xmlns:a="http://schemas.openxmlformats.org/drawingml/2006/main" xmlns:r="http://schemas.openxmlformats.org/officeDocument/2006/relationships" xmlns:p="http://schemas.openxmlformats.org/presentationml/2006/main">
+  <p:cSld>
+    <p:spTree>
+      <p:nvGrpSpPr>
+        <p:cNvPr id="1" name=""/>
+        <p:cNvGrpSpPr/>
+        <p:nvPr/>
+      </p:nvGrpSpPr>
+      <p:grpSpPr>
+        <a:xfrm>
+          <a:off x="0" y="0"/>
+          <a:ext cx="0" cy="0"/>
+          <a:chOff x="0" y="0"/>
+          <a:chExt cx="0" cy="0"/>
+        </a:xfrm>
+      </p:grpSpPr>
+      <p:sp>
+        <p:nvSpPr>
           <p:cNvPr id="4" name="Slide Number Placeholder 3">
             <a:extLst>
               <a:ext uri="{FF2B5EF4-FFF2-40B4-BE49-F238E27FC236}">
@@ -12808,7 +13062,7 @@
             <a:fld id="{256CE055-ECFD-9048-9FD8-7E2D8656A4F7}" type="slidenum">
               <a:rPr lang="en-US" smtClean="0"/>
               <a:pPr/>
-              <a:t>11</a:t>
+              <a:t>12</a:t>
             </a:fld>
             <a:endParaRPr lang="en-US" dirty="0"/>
           </a:p>
@@ -12857,139 +13111,6 @@
 </p:sld>
 </file>
 
-<file path=ppt/slides/slide12.xml><?xml version="1.0" encoding="utf-8"?>
-<p:sld xmlns:a="http://schemas.openxmlformats.org/drawingml/2006/main" xmlns:r="http://schemas.openxmlformats.org/officeDocument/2006/relationships" xmlns:p="http://schemas.openxmlformats.org/presentationml/2006/main">
-  <p:cSld>
-    <p:spTree>
-      <p:nvGrpSpPr>
-        <p:cNvPr id="1" name=""/>
-        <p:cNvGrpSpPr/>
-        <p:nvPr/>
-      </p:nvGrpSpPr>
-      <p:grpSpPr>
-        <a:xfrm>
-          <a:off x="0" y="0"/>
-          <a:ext cx="0" cy="0"/>
-          <a:chOff x="0" y="0"/>
-          <a:chExt cx="0" cy="0"/>
-        </a:xfrm>
-      </p:grpSpPr>
-      <p:sp>
-        <p:nvSpPr>
-          <p:cNvPr id="3" name="Title 2">
-            <a:extLst>
-              <a:ext uri="{FF2B5EF4-FFF2-40B4-BE49-F238E27FC236}">
-                <a16:creationId xmlns:a16="http://schemas.microsoft.com/office/drawing/2014/main" id="{B1D7733C-C3BF-8E47-84BD-F585AB7E2BD9}"/>
-              </a:ext>
-            </a:extLst>
-          </p:cNvPr>
-          <p:cNvSpPr>
-            <a:spLocks noGrp="1"/>
-          </p:cNvSpPr>
-          <p:nvPr>
-            <p:ph type="title"/>
-          </p:nvPr>
-        </p:nvSpPr>
-        <p:spPr/>
-        <p:txBody>
-          <a:bodyPr/>
-          <a:lstStyle/>
-          <a:p>
-            <a:r>
-              <a:rPr lang="en-US" dirty="0"/>
-              <a:t>Problems with Content-Based Approach</a:t>
-            </a:r>
-          </a:p>
-        </p:txBody>
-      </p:sp>
-      <p:sp>
-        <p:nvSpPr>
-          <p:cNvPr id="4" name="Text Placeholder 3">
-            <a:extLst>
-              <a:ext uri="{FF2B5EF4-FFF2-40B4-BE49-F238E27FC236}">
-                <a16:creationId xmlns:a16="http://schemas.microsoft.com/office/drawing/2014/main" id="{1AE0E4DB-5F2E-6A41-9F6A-FAB2F89ED30A}"/>
-              </a:ext>
-            </a:extLst>
-          </p:cNvPr>
-          <p:cNvSpPr>
-            <a:spLocks noGrp="1"/>
-          </p:cNvSpPr>
-          <p:nvPr>
-            <p:ph type="body" idx="1"/>
-          </p:nvPr>
-        </p:nvSpPr>
-        <p:spPr/>
-        <p:txBody>
-          <a:bodyPr/>
-          <a:lstStyle/>
-          <a:p>
-            <a:r>
-              <a:rPr lang="en-US" dirty="0"/>
-              <a:t>Relatively easy for attackers to evade</a:t>
-            </a:r>
-          </a:p>
-          <a:p>
-            <a:endParaRPr lang="en-US" dirty="0"/>
-          </a:p>
-          <a:p>
-            <a:r>
-              <a:rPr lang="en-US" dirty="0"/>
-              <a:t>Challenging for designers of spam filters to update models when attackers change behavior</a:t>
-            </a:r>
-          </a:p>
-          <a:p>
-            <a:endParaRPr lang="en-US" dirty="0"/>
-          </a:p>
-          <a:p>
-            <a:r>
-              <a:rPr lang="en-US" dirty="0"/>
-              <a:t>Insight: Use supervised learning based on network-level features to distinguish spam vs. legitimate mail. (Module 3.2)</a:t>
-            </a:r>
-          </a:p>
-        </p:txBody>
-      </p:sp>
-      <p:sp>
-        <p:nvSpPr>
-          <p:cNvPr id="2" name="Slide Number Placeholder 1">
-            <a:extLst>
-              <a:ext uri="{FF2B5EF4-FFF2-40B4-BE49-F238E27FC236}">
-                <a16:creationId xmlns:a16="http://schemas.microsoft.com/office/drawing/2014/main" id="{545D9FB3-726A-384D-821B-424D5F8A147D}"/>
-              </a:ext>
-            </a:extLst>
-          </p:cNvPr>
-          <p:cNvSpPr>
-            <a:spLocks noGrp="1"/>
-          </p:cNvSpPr>
-          <p:nvPr>
-            <p:ph type="sldNum" idx="12"/>
-          </p:nvPr>
-        </p:nvSpPr>
-        <p:spPr/>
-        <p:txBody>
-          <a:bodyPr/>
-          <a:lstStyle/>
-          <a:p>
-            <a:fld id="{D7AA6054-60FB-8048-98AD-326CDDBBD22D}" type="slidenum">
-              <a:rPr lang="en-US" smtClean="0"/>
-              <a:t>12</a:t>
-            </a:fld>
-            <a:endParaRPr lang="en-US"/>
-          </a:p>
-        </p:txBody>
-      </p:sp>
-    </p:spTree>
-    <p:extLst>
-      <p:ext uri="{BB962C8B-B14F-4D97-AF65-F5344CB8AC3E}">
-        <p14:creationId xmlns:p14="http://schemas.microsoft.com/office/powerpoint/2010/main" val="3914219557"/>
-      </p:ext>
-    </p:extLst>
-  </p:cSld>
-  <p:clrMapOvr>
-    <a:masterClrMapping/>
-  </p:clrMapOvr>
-</p:sld>
-</file>
-
 <file path=ppt/slides/slide13.xml><?xml version="1.0" encoding="utf-8"?>
 <p:sld xmlns:a="http://schemas.openxmlformats.org/drawingml/2006/main" xmlns:r="http://schemas.openxmlformats.org/officeDocument/2006/relationships" xmlns:p="http://schemas.openxmlformats.org/presentationml/2006/main">
   <p:cSld>
@@ -13009,10 +13130,10 @@
       </p:grpSpPr>
       <p:sp>
         <p:nvSpPr>
-          <p:cNvPr id="5" name="Title 4">
+          <p:cNvPr id="3" name="Title 2">
             <a:extLst>
               <a:ext uri="{FF2B5EF4-FFF2-40B4-BE49-F238E27FC236}">
-                <a16:creationId xmlns:a16="http://schemas.microsoft.com/office/drawing/2014/main" id="{3C485A7A-6D4C-6449-95D3-D40C9E876BB6}"/>
+                <a16:creationId xmlns:a16="http://schemas.microsoft.com/office/drawing/2014/main" id="{B1D7733C-C3BF-8E47-84BD-F585AB7E2BD9}"/>
               </a:ext>
             </a:extLst>
           </p:cNvPr>
@@ -13020,27 +13141,100 @@
             <a:spLocks noGrp="1"/>
           </p:cNvSpPr>
           <p:nvPr>
-            <p:ph type="ctrTitle"/>
+            <p:ph type="title"/>
           </p:nvPr>
         </p:nvSpPr>
         <p:spPr/>
         <p:txBody>
-          <a:bodyPr>
-            <a:normAutofit/>
-          </a:bodyPr>
+          <a:bodyPr/>
           <a:lstStyle/>
           <a:p>
             <a:r>
-              <a:rPr lang="en-US" sz="4000" dirty="0"/>
-              <a:t>Module Outline</a:t>
-            </a:r>
+              <a:rPr lang="en-US" dirty="0"/>
+              <a:t>Problems with Content-Based Approach</a:t>
+            </a:r>
+          </a:p>
+        </p:txBody>
+      </p:sp>
+      <p:sp>
+        <p:nvSpPr>
+          <p:cNvPr id="4" name="Text Placeholder 3">
+            <a:extLst>
+              <a:ext uri="{FF2B5EF4-FFF2-40B4-BE49-F238E27FC236}">
+                <a16:creationId xmlns:a16="http://schemas.microsoft.com/office/drawing/2014/main" id="{1AE0E4DB-5F2E-6A41-9F6A-FAB2F89ED30A}"/>
+              </a:ext>
+            </a:extLst>
+          </p:cNvPr>
+          <p:cNvSpPr>
+            <a:spLocks noGrp="1"/>
+          </p:cNvSpPr>
+          <p:nvPr>
+            <p:ph type="body" idx="1"/>
+          </p:nvPr>
+        </p:nvSpPr>
+        <p:spPr/>
+        <p:txBody>
+          <a:bodyPr/>
+          <a:lstStyle/>
+          <a:p>
+            <a:r>
+              <a:rPr lang="en-US" dirty="0"/>
+              <a:t>Relatively easy for attackers to evade</a:t>
+            </a:r>
+          </a:p>
+          <a:p>
+            <a:endParaRPr lang="en-US" dirty="0"/>
+          </a:p>
+          <a:p>
+            <a:r>
+              <a:rPr lang="en-US" dirty="0"/>
+              <a:t>Challenging for designers of spam filters to update models when attackers change behavior</a:t>
+            </a:r>
+          </a:p>
+          <a:p>
+            <a:endParaRPr lang="en-US" dirty="0"/>
+          </a:p>
+          <a:p>
+            <a:r>
+              <a:rPr lang="en-US" dirty="0"/>
+              <a:t>Insight: Use supervised learning based on network-level features to distinguish spam vs. legitimate mail. (Module 3.2)</a:t>
+            </a:r>
+          </a:p>
+        </p:txBody>
+      </p:sp>
+      <p:sp>
+        <p:nvSpPr>
+          <p:cNvPr id="2" name="Slide Number Placeholder 1">
+            <a:extLst>
+              <a:ext uri="{FF2B5EF4-FFF2-40B4-BE49-F238E27FC236}">
+                <a16:creationId xmlns:a16="http://schemas.microsoft.com/office/drawing/2014/main" id="{545D9FB3-726A-384D-821B-424D5F8A147D}"/>
+              </a:ext>
+            </a:extLst>
+          </p:cNvPr>
+          <p:cNvSpPr>
+            <a:spLocks noGrp="1"/>
+          </p:cNvSpPr>
+          <p:nvPr>
+            <p:ph type="sldNum" idx="12"/>
+          </p:nvPr>
+        </p:nvSpPr>
+        <p:spPr/>
+        <p:txBody>
+          <a:bodyPr/>
+          <a:lstStyle/>
+          <a:p>
+            <a:fld id="{D7AA6054-60FB-8048-98AD-326CDDBBD22D}" type="slidenum">
+              <a:rPr lang="en-US" smtClean="0"/>
+              <a:t>13</a:t>
+            </a:fld>
+            <a:endParaRPr lang="en-US"/>
           </a:p>
         </p:txBody>
       </p:sp>
     </p:spTree>
     <p:extLst>
       <p:ext uri="{BB962C8B-B14F-4D97-AF65-F5344CB8AC3E}">
-        <p14:creationId xmlns:p14="http://schemas.microsoft.com/office/powerpoint/2010/main" val="1788605488"/>
+        <p14:creationId xmlns:p14="http://schemas.microsoft.com/office/powerpoint/2010/main" val="3914219557"/>
       </p:ext>
     </p:extLst>
   </p:cSld>
@@ -13069,6 +13263,66 @@
       </p:grpSpPr>
       <p:sp>
         <p:nvSpPr>
+          <p:cNvPr id="5" name="Title 4">
+            <a:extLst>
+              <a:ext uri="{FF2B5EF4-FFF2-40B4-BE49-F238E27FC236}">
+                <a16:creationId xmlns:a16="http://schemas.microsoft.com/office/drawing/2014/main" id="{3C485A7A-6D4C-6449-95D3-D40C9E876BB6}"/>
+              </a:ext>
+            </a:extLst>
+          </p:cNvPr>
+          <p:cNvSpPr>
+            <a:spLocks noGrp="1"/>
+          </p:cNvSpPr>
+          <p:nvPr>
+            <p:ph type="ctrTitle"/>
+          </p:nvPr>
+        </p:nvSpPr>
+        <p:spPr/>
+        <p:txBody>
+          <a:bodyPr>
+            <a:normAutofit/>
+          </a:bodyPr>
+          <a:lstStyle/>
+          <a:p>
+            <a:r>
+              <a:rPr lang="en-US" sz="4000" dirty="0"/>
+              <a:t>Module Outline</a:t>
+            </a:r>
+          </a:p>
+        </p:txBody>
+      </p:sp>
+    </p:spTree>
+    <p:extLst>
+      <p:ext uri="{BB962C8B-B14F-4D97-AF65-F5344CB8AC3E}">
+        <p14:creationId xmlns:p14="http://schemas.microsoft.com/office/powerpoint/2010/main" val="1788605488"/>
+      </p:ext>
+    </p:extLst>
+  </p:cSld>
+  <p:clrMapOvr>
+    <a:masterClrMapping/>
+  </p:clrMapOvr>
+</p:sld>
+</file>
+
+<file path=ppt/slides/slide15.xml><?xml version="1.0" encoding="utf-8"?>
+<p:sld xmlns:a="http://schemas.openxmlformats.org/drawingml/2006/main" xmlns:r="http://schemas.openxmlformats.org/officeDocument/2006/relationships" xmlns:p="http://schemas.openxmlformats.org/presentationml/2006/main">
+  <p:cSld>
+    <p:spTree>
+      <p:nvGrpSpPr>
+        <p:cNvPr id="1" name=""/>
+        <p:cNvGrpSpPr/>
+        <p:nvPr/>
+      </p:nvGrpSpPr>
+      <p:grpSpPr>
+        <a:xfrm>
+          <a:off x="0" y="0"/>
+          <a:ext cx="0" cy="0"/>
+          <a:chOff x="0" y="0"/>
+          <a:chExt cx="0" cy="0"/>
+        </a:xfrm>
+      </p:grpSpPr>
+      <p:sp>
+        <p:nvSpPr>
           <p:cNvPr id="2" name="Title 1">
             <a:extLst>
               <a:ext uri="{FF2B5EF4-FFF2-40B4-BE49-F238E27FC236}">
@@ -13191,7 +13445,7 @@
             <a:fld id="{00000000-1234-1234-1234-123412341234}" type="slidenum">
               <a:rPr lang="en" smtClean="0"/>
               <a:pPr/>
-              <a:t>14</a:t>
+              <a:t>15</a:t>
             </a:fld>
             <a:endParaRPr lang="en"/>
           </a:p>
@@ -13229,10 +13483,10 @@
       </p:grpSpPr>
       <p:sp>
         <p:nvSpPr>
-          <p:cNvPr id="5" name="Title 4">
+          <p:cNvPr id="3" name="Title 2">
             <a:extLst>
               <a:ext uri="{FF2B5EF4-FFF2-40B4-BE49-F238E27FC236}">
-                <a16:creationId xmlns:a16="http://schemas.microsoft.com/office/drawing/2014/main" id="{3C485A7A-6D4C-6449-95D3-D40C9E876BB6}"/>
+                <a16:creationId xmlns:a16="http://schemas.microsoft.com/office/drawing/2014/main" id="{46CF8940-0BF1-3C42-B43C-B740AFF4239A}"/>
               </a:ext>
             </a:extLst>
           </p:cNvPr>
@@ -13240,7 +13494,7 @@
             <a:spLocks noGrp="1"/>
           </p:cNvSpPr>
           <p:nvPr>
-            <p:ph type="ctrTitle"/>
+            <p:ph type="title"/>
           </p:nvPr>
         </p:nvSpPr>
         <p:spPr/>
@@ -13250,15 +13504,581 @@
           <a:p>
             <a:r>
               <a:rPr lang="en-US" dirty="0"/>
-              <a:t>Learning Objective</a:t>
-            </a:r>
-          </a:p>
-        </p:txBody>
-      </p:sp>
+              <a:t>Where Are We?</a:t>
+            </a:r>
+          </a:p>
+        </p:txBody>
+      </p:sp>
+      <p:grpSp>
+        <p:nvGrpSpPr>
+          <p:cNvPr id="7" name="Group 6">
+            <a:extLst>
+              <a:ext uri="{FF2B5EF4-FFF2-40B4-BE49-F238E27FC236}">
+                <a16:creationId xmlns:a16="http://schemas.microsoft.com/office/drawing/2014/main" id="{9C2BC92F-D59C-1742-B77A-54E4075E2388}"/>
+              </a:ext>
+            </a:extLst>
+          </p:cNvPr>
+          <p:cNvGrpSpPr/>
+          <p:nvPr/>
+        </p:nvGrpSpPr>
+        <p:grpSpPr>
+          <a:xfrm>
+            <a:off x="1559625" y="1657349"/>
+            <a:ext cx="3916680" cy="1771651"/>
+            <a:chOff x="2537460" y="1268729"/>
+            <a:chExt cx="2240280" cy="1771651"/>
+          </a:xfrm>
+        </p:grpSpPr>
+        <p:sp>
+          <p:nvSpPr>
+            <p:cNvPr id="6" name="Rectangle 5">
+              <a:extLst>
+                <a:ext uri="{FF2B5EF4-FFF2-40B4-BE49-F238E27FC236}">
+                  <a16:creationId xmlns:a16="http://schemas.microsoft.com/office/drawing/2014/main" id="{A7C5C2FE-563E-E94F-A187-2447E6D11539}"/>
+                </a:ext>
+              </a:extLst>
+            </p:cNvPr>
+            <p:cNvSpPr/>
+            <p:nvPr/>
+          </p:nvSpPr>
+          <p:spPr>
+            <a:xfrm>
+              <a:off x="2537460" y="1268729"/>
+              <a:ext cx="2240280" cy="720091"/>
+            </a:xfrm>
+            <a:prstGeom prst="rect">
+              <a:avLst/>
+            </a:prstGeom>
+            <a:solidFill>
+              <a:schemeClr val="bg2">
+                <a:lumMod val="75000"/>
+              </a:schemeClr>
+            </a:solidFill>
+          </p:spPr>
+          <p:style>
+            <a:lnRef idx="2">
+              <a:schemeClr val="accent1">
+                <a:shade val="50000"/>
+              </a:schemeClr>
+            </a:lnRef>
+            <a:fillRef idx="1">
+              <a:schemeClr val="accent1"/>
+            </a:fillRef>
+            <a:effectRef idx="0">
+              <a:schemeClr val="accent1"/>
+            </a:effectRef>
+            <a:fontRef idx="minor">
+              <a:schemeClr val="lt1"/>
+            </a:fontRef>
+          </p:style>
+          <p:txBody>
+            <a:bodyPr rtlCol="0" anchor="ctr"/>
+            <a:lstStyle/>
+            <a:p>
+              <a:pPr algn="ctr"/>
+              <a:r>
+                <a:rPr lang="en-US" b="1" dirty="0"/>
+                <a:t>Module 1: “Statistical Modeling”</a:t>
+              </a:r>
+            </a:p>
+          </p:txBody>
+        </p:sp>
+        <p:sp>
+          <p:nvSpPr>
+            <p:cNvPr id="8" name="Rectangle 7">
+              <a:extLst>
+                <a:ext uri="{FF2B5EF4-FFF2-40B4-BE49-F238E27FC236}">
+                  <a16:creationId xmlns:a16="http://schemas.microsoft.com/office/drawing/2014/main" id="{55B7FEC2-35C6-3F4E-86BC-354E38BBD25F}"/>
+                </a:ext>
+              </a:extLst>
+            </p:cNvPr>
+            <p:cNvSpPr/>
+            <p:nvPr/>
+          </p:nvSpPr>
+          <p:spPr>
+            <a:xfrm>
+              <a:off x="2537460" y="1988820"/>
+              <a:ext cx="2240280" cy="1051560"/>
+            </a:xfrm>
+            <a:prstGeom prst="rect">
+              <a:avLst/>
+            </a:prstGeom>
+            <a:solidFill>
+              <a:schemeClr val="bg1"/>
+            </a:solidFill>
+          </p:spPr>
+          <p:style>
+            <a:lnRef idx="2">
+              <a:schemeClr val="accent1">
+                <a:shade val="50000"/>
+              </a:schemeClr>
+            </a:lnRef>
+            <a:fillRef idx="1">
+              <a:schemeClr val="accent1"/>
+            </a:fillRef>
+            <a:effectRef idx="0">
+              <a:schemeClr val="accent1"/>
+            </a:effectRef>
+            <a:fontRef idx="minor">
+              <a:schemeClr val="lt1"/>
+            </a:fontRef>
+          </p:style>
+          <p:txBody>
+            <a:bodyPr rtlCol="0" anchor="ctr"/>
+            <a:lstStyle/>
+            <a:p>
+              <a:pPr algn="ctr"/>
+              <a:r>
+                <a:rPr lang="en-US" sz="1600" dirty="0">
+                  <a:solidFill>
+                    <a:schemeClr val="tx1">
+                      <a:lumMod val="75000"/>
+                      <a:lumOff val="25000"/>
+                    </a:schemeClr>
+                  </a:solidFill>
+                </a:rPr>
+                <a:t>Foundations of ML and Data Science for Cybersecurity</a:t>
+              </a:r>
+            </a:p>
+          </p:txBody>
+        </p:sp>
+      </p:grpSp>
+      <p:grpSp>
+        <p:nvGrpSpPr>
+          <p:cNvPr id="10" name="Group 9">
+            <a:extLst>
+              <a:ext uri="{FF2B5EF4-FFF2-40B4-BE49-F238E27FC236}">
+                <a16:creationId xmlns:a16="http://schemas.microsoft.com/office/drawing/2014/main" id="{17D397C2-C1AC-8443-BCC8-B3192F1DB1B1}"/>
+              </a:ext>
+            </a:extLst>
+          </p:cNvPr>
+          <p:cNvGrpSpPr/>
+          <p:nvPr/>
+        </p:nvGrpSpPr>
+        <p:grpSpPr>
+          <a:xfrm>
+            <a:off x="6554535" y="1657349"/>
+            <a:ext cx="3916680" cy="1771651"/>
+            <a:chOff x="2537460" y="1268729"/>
+            <a:chExt cx="2240280" cy="1771651"/>
+          </a:xfrm>
+        </p:grpSpPr>
+        <p:sp>
+          <p:nvSpPr>
+            <p:cNvPr id="11" name="Rectangle 10">
+              <a:extLst>
+                <a:ext uri="{FF2B5EF4-FFF2-40B4-BE49-F238E27FC236}">
+                  <a16:creationId xmlns:a16="http://schemas.microsoft.com/office/drawing/2014/main" id="{D419C000-4AF2-B84F-A9A4-EF6101B3B9D3}"/>
+                </a:ext>
+              </a:extLst>
+            </p:cNvPr>
+            <p:cNvSpPr/>
+            <p:nvPr/>
+          </p:nvSpPr>
+          <p:spPr>
+            <a:xfrm>
+              <a:off x="2537460" y="1268729"/>
+              <a:ext cx="2240280" cy="720091"/>
+            </a:xfrm>
+            <a:prstGeom prst="rect">
+              <a:avLst/>
+            </a:prstGeom>
+            <a:solidFill>
+              <a:schemeClr val="bg2">
+                <a:lumMod val="75000"/>
+              </a:schemeClr>
+            </a:solidFill>
+          </p:spPr>
+          <p:style>
+            <a:lnRef idx="2">
+              <a:schemeClr val="accent1">
+                <a:shade val="50000"/>
+              </a:schemeClr>
+            </a:lnRef>
+            <a:fillRef idx="1">
+              <a:schemeClr val="accent1"/>
+            </a:fillRef>
+            <a:effectRef idx="0">
+              <a:schemeClr val="accent1"/>
+            </a:effectRef>
+            <a:fontRef idx="minor">
+              <a:schemeClr val="lt1"/>
+            </a:fontRef>
+          </p:style>
+          <p:txBody>
+            <a:bodyPr rtlCol="0" anchor="ctr"/>
+            <a:lstStyle/>
+            <a:p>
+              <a:pPr algn="ctr"/>
+              <a:r>
+                <a:rPr lang="en-US" b="1" dirty="0"/>
+                <a:t>Module 2: “Data Collection/ Representation”</a:t>
+              </a:r>
+            </a:p>
+          </p:txBody>
+        </p:sp>
+        <p:sp>
+          <p:nvSpPr>
+            <p:cNvPr id="12" name="Rectangle 11">
+              <a:extLst>
+                <a:ext uri="{FF2B5EF4-FFF2-40B4-BE49-F238E27FC236}">
+                  <a16:creationId xmlns:a16="http://schemas.microsoft.com/office/drawing/2014/main" id="{486ED732-D656-D049-9465-79E32B5BD2A4}"/>
+                </a:ext>
+              </a:extLst>
+            </p:cNvPr>
+            <p:cNvSpPr/>
+            <p:nvPr/>
+          </p:nvSpPr>
+          <p:spPr>
+            <a:xfrm>
+              <a:off x="2537460" y="1988820"/>
+              <a:ext cx="2240280" cy="1051560"/>
+            </a:xfrm>
+            <a:prstGeom prst="rect">
+              <a:avLst/>
+            </a:prstGeom>
+            <a:solidFill>
+              <a:schemeClr val="bg1"/>
+            </a:solidFill>
+          </p:spPr>
+          <p:style>
+            <a:lnRef idx="2">
+              <a:schemeClr val="accent1">
+                <a:shade val="50000"/>
+              </a:schemeClr>
+            </a:lnRef>
+            <a:fillRef idx="1">
+              <a:schemeClr val="accent1"/>
+            </a:fillRef>
+            <a:effectRef idx="0">
+              <a:schemeClr val="accent1"/>
+            </a:effectRef>
+            <a:fontRef idx="minor">
+              <a:schemeClr val="lt1"/>
+            </a:fontRef>
+          </p:style>
+          <p:txBody>
+            <a:bodyPr rtlCol="0" anchor="ctr"/>
+            <a:lstStyle/>
+            <a:p>
+              <a:pPr algn="ctr"/>
+              <a:r>
+                <a:rPr lang="en-US" sz="1600" dirty="0">
+                  <a:solidFill>
+                    <a:schemeClr val="tx1"/>
+                  </a:solidFill>
+                </a:rPr>
+                <a:t>Data-Driven Network and </a:t>
+              </a:r>
+            </a:p>
+            <a:p>
+              <a:pPr algn="ctr"/>
+              <a:r>
+                <a:rPr lang="en-US" sz="1600" dirty="0">
+                  <a:solidFill>
+                    <a:schemeClr val="tx1"/>
+                  </a:solidFill>
+                </a:rPr>
+                <a:t>Computer Security</a:t>
+              </a:r>
+            </a:p>
+          </p:txBody>
+        </p:sp>
+      </p:grpSp>
+      <p:grpSp>
+        <p:nvGrpSpPr>
+          <p:cNvPr id="13" name="Group 12">
+            <a:extLst>
+              <a:ext uri="{FF2B5EF4-FFF2-40B4-BE49-F238E27FC236}">
+                <a16:creationId xmlns:a16="http://schemas.microsoft.com/office/drawing/2014/main" id="{0C165D56-7EF5-2842-AF2B-077507BB97C1}"/>
+              </a:ext>
+            </a:extLst>
+          </p:cNvPr>
+          <p:cNvGrpSpPr/>
+          <p:nvPr/>
+        </p:nvGrpSpPr>
+        <p:grpSpPr>
+          <a:xfrm>
+            <a:off x="1559625" y="3794761"/>
+            <a:ext cx="3916680" cy="1771650"/>
+            <a:chOff x="2537460" y="1268730"/>
+            <a:chExt cx="2240280" cy="1771650"/>
+          </a:xfrm>
+        </p:grpSpPr>
+        <p:sp>
+          <p:nvSpPr>
+            <p:cNvPr id="14" name="Rectangle 13">
+              <a:extLst>
+                <a:ext uri="{FF2B5EF4-FFF2-40B4-BE49-F238E27FC236}">
+                  <a16:creationId xmlns:a16="http://schemas.microsoft.com/office/drawing/2014/main" id="{12974E87-8022-CF42-8E3C-774FC4A88BE8}"/>
+                </a:ext>
+              </a:extLst>
+            </p:cNvPr>
+            <p:cNvSpPr/>
+            <p:nvPr/>
+          </p:nvSpPr>
+          <p:spPr>
+            <a:xfrm>
+              <a:off x="2537460" y="1268730"/>
+              <a:ext cx="2240280" cy="720090"/>
+            </a:xfrm>
+            <a:prstGeom prst="rect">
+              <a:avLst/>
+            </a:prstGeom>
+            <a:solidFill>
+              <a:schemeClr val="accent1"/>
+            </a:solidFill>
+          </p:spPr>
+          <p:style>
+            <a:lnRef idx="2">
+              <a:schemeClr val="accent1">
+                <a:shade val="50000"/>
+              </a:schemeClr>
+            </a:lnRef>
+            <a:fillRef idx="1">
+              <a:schemeClr val="accent1"/>
+            </a:fillRef>
+            <a:effectRef idx="0">
+              <a:schemeClr val="accent1"/>
+            </a:effectRef>
+            <a:fontRef idx="minor">
+              <a:schemeClr val="lt1"/>
+            </a:fontRef>
+          </p:style>
+          <p:txBody>
+            <a:bodyPr rtlCol="0" anchor="ctr"/>
+            <a:lstStyle/>
+            <a:p>
+              <a:pPr algn="ctr"/>
+              <a:r>
+                <a:rPr lang="en-US" b="1" dirty="0"/>
+                <a:t>Module 3: “Attacks and Defenses”</a:t>
+              </a:r>
+            </a:p>
+          </p:txBody>
+        </p:sp>
+        <p:sp>
+          <p:nvSpPr>
+            <p:cNvPr id="15" name="Rectangle 14">
+              <a:extLst>
+                <a:ext uri="{FF2B5EF4-FFF2-40B4-BE49-F238E27FC236}">
+                  <a16:creationId xmlns:a16="http://schemas.microsoft.com/office/drawing/2014/main" id="{09FD43F6-9BE7-0841-BB40-A797A3AD7D72}"/>
+                </a:ext>
+              </a:extLst>
+            </p:cNvPr>
+            <p:cNvSpPr/>
+            <p:nvPr/>
+          </p:nvSpPr>
+          <p:spPr>
+            <a:xfrm>
+              <a:off x="2537460" y="1988820"/>
+              <a:ext cx="2240280" cy="1051560"/>
+            </a:xfrm>
+            <a:prstGeom prst="rect">
+              <a:avLst/>
+            </a:prstGeom>
+            <a:solidFill>
+              <a:schemeClr val="bg1"/>
+            </a:solidFill>
+          </p:spPr>
+          <p:style>
+            <a:lnRef idx="2">
+              <a:schemeClr val="accent1">
+                <a:shade val="50000"/>
+              </a:schemeClr>
+            </a:lnRef>
+            <a:fillRef idx="1">
+              <a:schemeClr val="accent1"/>
+            </a:fillRef>
+            <a:effectRef idx="0">
+              <a:schemeClr val="accent1"/>
+            </a:effectRef>
+            <a:fontRef idx="minor">
+              <a:schemeClr val="lt1"/>
+            </a:fontRef>
+          </p:style>
+          <p:txBody>
+            <a:bodyPr rtlCol="0" anchor="ctr"/>
+            <a:lstStyle/>
+            <a:p>
+              <a:pPr algn="ctr"/>
+              <a:r>
+                <a:rPr lang="en-US" sz="1600" dirty="0">
+                  <a:solidFill>
+                    <a:schemeClr val="bg2">
+                      <a:lumMod val="75000"/>
+                    </a:schemeClr>
+                  </a:solidFill>
+                </a:rPr>
+                <a:t>Machine Learning in the Presence of Adversaries in Security Applications</a:t>
+              </a:r>
+            </a:p>
+          </p:txBody>
+        </p:sp>
+      </p:grpSp>
+      <p:grpSp>
+        <p:nvGrpSpPr>
+          <p:cNvPr id="16" name="Group 15">
+            <a:extLst>
+              <a:ext uri="{FF2B5EF4-FFF2-40B4-BE49-F238E27FC236}">
+                <a16:creationId xmlns:a16="http://schemas.microsoft.com/office/drawing/2014/main" id="{33E18057-F666-7A42-A6F2-06CB66711196}"/>
+              </a:ext>
+            </a:extLst>
+          </p:cNvPr>
+          <p:cNvGrpSpPr/>
+          <p:nvPr/>
+        </p:nvGrpSpPr>
+        <p:grpSpPr>
+          <a:xfrm>
+            <a:off x="6554535" y="3794761"/>
+            <a:ext cx="3916680" cy="1771650"/>
+            <a:chOff x="2537460" y="1268730"/>
+            <a:chExt cx="2240280" cy="1771650"/>
+          </a:xfrm>
+        </p:grpSpPr>
+        <p:sp>
+          <p:nvSpPr>
+            <p:cNvPr id="17" name="Rectangle 16">
+              <a:extLst>
+                <a:ext uri="{FF2B5EF4-FFF2-40B4-BE49-F238E27FC236}">
+                  <a16:creationId xmlns:a16="http://schemas.microsoft.com/office/drawing/2014/main" id="{1C551CF4-0BF6-4C4F-B693-39C16C4CA730}"/>
+                </a:ext>
+              </a:extLst>
+            </p:cNvPr>
+            <p:cNvSpPr/>
+            <p:nvPr/>
+          </p:nvSpPr>
+          <p:spPr>
+            <a:xfrm>
+              <a:off x="2537460" y="1268730"/>
+              <a:ext cx="2240280" cy="720090"/>
+            </a:xfrm>
+            <a:prstGeom prst="rect">
+              <a:avLst/>
+            </a:prstGeom>
+            <a:solidFill>
+              <a:schemeClr val="bg2">
+                <a:lumMod val="75000"/>
+              </a:schemeClr>
+            </a:solidFill>
+          </p:spPr>
+          <p:style>
+            <a:lnRef idx="2">
+              <a:schemeClr val="accent1">
+                <a:shade val="50000"/>
+              </a:schemeClr>
+            </a:lnRef>
+            <a:fillRef idx="1">
+              <a:schemeClr val="accent1"/>
+            </a:fillRef>
+            <a:effectRef idx="0">
+              <a:schemeClr val="accent1"/>
+            </a:effectRef>
+            <a:fontRef idx="minor">
+              <a:schemeClr val="lt1"/>
+            </a:fontRef>
+          </p:style>
+          <p:txBody>
+            <a:bodyPr rtlCol="0" anchor="ctr"/>
+            <a:lstStyle/>
+            <a:p>
+              <a:pPr algn="ctr"/>
+              <a:r>
+                <a:rPr lang="en-US" b="1" dirty="0"/>
+                <a:t>Module 4: “Deployment”</a:t>
+              </a:r>
+            </a:p>
+          </p:txBody>
+        </p:sp>
+        <p:sp>
+          <p:nvSpPr>
+            <p:cNvPr id="18" name="Rectangle 17">
+              <a:extLst>
+                <a:ext uri="{FF2B5EF4-FFF2-40B4-BE49-F238E27FC236}">
+                  <a16:creationId xmlns:a16="http://schemas.microsoft.com/office/drawing/2014/main" id="{B1A87592-0BEC-5040-98CF-FEB6C4B44CDB}"/>
+                </a:ext>
+              </a:extLst>
+            </p:cNvPr>
+            <p:cNvSpPr/>
+            <p:nvPr/>
+          </p:nvSpPr>
+          <p:spPr>
+            <a:xfrm>
+              <a:off x="2537460" y="1988820"/>
+              <a:ext cx="2240280" cy="1051560"/>
+            </a:xfrm>
+            <a:prstGeom prst="rect">
+              <a:avLst/>
+            </a:prstGeom>
+            <a:solidFill>
+              <a:schemeClr val="bg1"/>
+            </a:solidFill>
+          </p:spPr>
+          <p:style>
+            <a:lnRef idx="2">
+              <a:schemeClr val="accent1">
+                <a:shade val="50000"/>
+              </a:schemeClr>
+            </a:lnRef>
+            <a:fillRef idx="1">
+              <a:schemeClr val="accent1"/>
+            </a:fillRef>
+            <a:effectRef idx="0">
+              <a:schemeClr val="accent1"/>
+            </a:effectRef>
+            <a:fontRef idx="minor">
+              <a:schemeClr val="lt1"/>
+            </a:fontRef>
+          </p:style>
+          <p:txBody>
+            <a:bodyPr rtlCol="0" anchor="ctr"/>
+            <a:lstStyle/>
+            <a:p>
+              <a:pPr algn="ctr"/>
+              <a:r>
+                <a:rPr lang="en-US" sz="1600" dirty="0">
+                  <a:solidFill>
+                    <a:schemeClr val="bg2">
+                      <a:lumMod val="75000"/>
+                    </a:schemeClr>
+                  </a:solidFill>
+                </a:rPr>
+                <a:t>Ethics, Fairness, Responsibility, </a:t>
+              </a:r>
+            </a:p>
+            <a:p>
+              <a:pPr algn="ctr"/>
+              <a:r>
+                <a:rPr lang="en-US" sz="1600" dirty="0">
+                  <a:solidFill>
+                    <a:schemeClr val="bg2">
+                      <a:lumMod val="75000"/>
+                    </a:schemeClr>
+                  </a:solidFill>
+                </a:rPr>
+                <a:t>and Transparency in </a:t>
+              </a:r>
+            </a:p>
+            <a:p>
+              <a:pPr algn="ctr"/>
+              <a:r>
+                <a:rPr lang="en-US" sz="1600" dirty="0">
+                  <a:solidFill>
+                    <a:schemeClr val="bg2">
+                      <a:lumMod val="75000"/>
+                    </a:schemeClr>
+                  </a:solidFill>
+                </a:rPr>
+                <a:t>Data-Driven Cybersecurity</a:t>
+              </a:r>
+            </a:p>
+          </p:txBody>
+        </p:sp>
+      </p:grpSp>
     </p:spTree>
     <p:extLst>
       <p:ext uri="{BB962C8B-B14F-4D97-AF65-F5344CB8AC3E}">
-        <p14:creationId xmlns:p14="http://schemas.microsoft.com/office/powerpoint/2010/main" val="1506613616"/>
+        <p14:creationId xmlns:p14="http://schemas.microsoft.com/office/powerpoint/2010/main" val="1578488015"/>
       </p:ext>
     </p:extLst>
   </p:cSld>
@@ -13287,10 +14107,10 @@
       </p:grpSpPr>
       <p:sp>
         <p:nvSpPr>
-          <p:cNvPr id="3" name="Title 2">
+          <p:cNvPr id="5" name="Title 4">
             <a:extLst>
               <a:ext uri="{FF2B5EF4-FFF2-40B4-BE49-F238E27FC236}">
-                <a16:creationId xmlns:a16="http://schemas.microsoft.com/office/drawing/2014/main" id="{0222242B-B691-304A-B52D-5B4E075F760F}"/>
+                <a16:creationId xmlns:a16="http://schemas.microsoft.com/office/drawing/2014/main" id="{3C485A7A-6D4C-6449-95D3-D40C9E876BB6}"/>
               </a:ext>
             </a:extLst>
           </p:cNvPr>
@@ -13298,7 +14118,7 @@
             <a:spLocks noGrp="1"/>
           </p:cNvSpPr>
           <p:nvPr>
-            <p:ph type="title"/>
+            <p:ph type="ctrTitle"/>
           </p:nvPr>
         </p:nvSpPr>
         <p:spPr/>
@@ -13308,126 +14128,7 @@
           <a:p>
             <a:r>
               <a:rPr lang="en-US" dirty="0"/>
-              <a:t>Learning Objectives</a:t>
-            </a:r>
-          </a:p>
-        </p:txBody>
-      </p:sp>
-      <p:sp>
-        <p:nvSpPr>
-          <p:cNvPr id="4" name="Content Placeholder 3">
-            <a:extLst>
-              <a:ext uri="{FF2B5EF4-FFF2-40B4-BE49-F238E27FC236}">
-                <a16:creationId xmlns:a16="http://schemas.microsoft.com/office/drawing/2014/main" id="{77FFC429-6A4C-BF40-9A71-BE3BD84EA317}"/>
-              </a:ext>
-            </a:extLst>
-          </p:cNvPr>
-          <p:cNvSpPr>
-            <a:spLocks noGrp="1"/>
-          </p:cNvSpPr>
-          <p:nvPr>
-            <p:ph idx="1"/>
-          </p:nvPr>
-        </p:nvSpPr>
-        <p:spPr/>
-        <p:txBody>
-          <a:bodyPr>
-            <a:normAutofit/>
-          </a:bodyPr>
-          <a:lstStyle/>
-          <a:p>
-            <a:r>
-              <a:rPr lang="en-US" dirty="0"/>
-              <a:t>Learn about different types of network attacks</a:t>
-            </a:r>
-          </a:p>
-          <a:p>
-            <a:endParaRPr lang="en-US" dirty="0"/>
-          </a:p>
-          <a:p>
-            <a:r>
-              <a:rPr lang="en-US" dirty="0"/>
-              <a:t>Discover simple examples showing how machine learning can be applied to cyberattack detection</a:t>
-            </a:r>
-          </a:p>
-          <a:p>
-            <a:endParaRPr lang="en-US" dirty="0"/>
-          </a:p>
-          <a:p>
-            <a:r>
-              <a:rPr lang="en-US" dirty="0"/>
-              <a:t>Learn about the different approaches to detection, supervised and unsupervised learning</a:t>
-            </a:r>
-          </a:p>
-          <a:p>
-            <a:endParaRPr lang="en-US" sz="3600" dirty="0"/>
-          </a:p>
-        </p:txBody>
-      </p:sp>
-      <p:sp>
-        <p:nvSpPr>
-          <p:cNvPr id="2" name="Rectangle 1">
-            <a:extLst>
-              <a:ext uri="{FF2B5EF4-FFF2-40B4-BE49-F238E27FC236}">
-                <a16:creationId xmlns:a16="http://schemas.microsoft.com/office/drawing/2014/main" id="{7FC24F19-3DD5-5C43-BEA4-9301D7067CC3}"/>
-              </a:ext>
-            </a:extLst>
-          </p:cNvPr>
-          <p:cNvSpPr/>
-          <p:nvPr/>
-        </p:nvSpPr>
-        <p:spPr>
-          <a:xfrm>
-            <a:off x="5971607" y="3244334"/>
-            <a:ext cx="248786" cy="369332"/>
-          </a:xfrm>
-          <a:prstGeom prst="rect">
-            <a:avLst/>
-          </a:prstGeom>
-        </p:spPr>
-        <p:txBody>
-          <a:bodyPr wrap="none">
-            <a:spAutoFit/>
-          </a:bodyPr>
-          <a:lstStyle/>
-          <a:p>
-            <a:r>
-              <a:rPr lang="en-US" dirty="0"/>
-              <a:t> </a:t>
-            </a:r>
-          </a:p>
-        </p:txBody>
-      </p:sp>
-      <p:sp>
-        <p:nvSpPr>
-          <p:cNvPr id="5" name="Rectangle 4">
-            <a:extLst>
-              <a:ext uri="{FF2B5EF4-FFF2-40B4-BE49-F238E27FC236}">
-                <a16:creationId xmlns:a16="http://schemas.microsoft.com/office/drawing/2014/main" id="{E0AAFE49-B8D5-2E4E-9003-78CF785F79E8}"/>
-              </a:ext>
-            </a:extLst>
-          </p:cNvPr>
-          <p:cNvSpPr/>
-          <p:nvPr/>
-        </p:nvSpPr>
-        <p:spPr>
-          <a:xfrm>
-            <a:off x="5971607" y="3244334"/>
-            <a:ext cx="248786" cy="369332"/>
-          </a:xfrm>
-          <a:prstGeom prst="rect">
-            <a:avLst/>
-          </a:prstGeom>
-        </p:spPr>
-        <p:txBody>
-          <a:bodyPr wrap="none">
-            <a:spAutoFit/>
-          </a:bodyPr>
-          <a:lstStyle/>
-          <a:p>
-            <a:r>
-              <a:rPr lang="en-US" dirty="0"/>
-              <a:t> </a:t>
+              <a:t>Learning Objective</a:t>
             </a:r>
           </a:p>
         </p:txBody>
@@ -13435,7 +14136,7 @@
     </p:spTree>
     <p:extLst>
       <p:ext uri="{BB962C8B-B14F-4D97-AF65-F5344CB8AC3E}">
-        <p14:creationId xmlns:p14="http://schemas.microsoft.com/office/powerpoint/2010/main" val="2171205621"/>
+        <p14:creationId xmlns:p14="http://schemas.microsoft.com/office/powerpoint/2010/main" val="1506613616"/>
       </p:ext>
     </p:extLst>
   </p:cSld>
@@ -13464,6 +14165,183 @@
       </p:grpSpPr>
       <p:sp>
         <p:nvSpPr>
+          <p:cNvPr id="3" name="Title 2">
+            <a:extLst>
+              <a:ext uri="{FF2B5EF4-FFF2-40B4-BE49-F238E27FC236}">
+                <a16:creationId xmlns:a16="http://schemas.microsoft.com/office/drawing/2014/main" id="{0222242B-B691-304A-B52D-5B4E075F760F}"/>
+              </a:ext>
+            </a:extLst>
+          </p:cNvPr>
+          <p:cNvSpPr>
+            <a:spLocks noGrp="1"/>
+          </p:cNvSpPr>
+          <p:nvPr>
+            <p:ph type="title"/>
+          </p:nvPr>
+        </p:nvSpPr>
+        <p:spPr/>
+        <p:txBody>
+          <a:bodyPr/>
+          <a:lstStyle/>
+          <a:p>
+            <a:r>
+              <a:rPr lang="en-US" dirty="0"/>
+              <a:t>Learning Objectives</a:t>
+            </a:r>
+          </a:p>
+        </p:txBody>
+      </p:sp>
+      <p:sp>
+        <p:nvSpPr>
+          <p:cNvPr id="4" name="Content Placeholder 3">
+            <a:extLst>
+              <a:ext uri="{FF2B5EF4-FFF2-40B4-BE49-F238E27FC236}">
+                <a16:creationId xmlns:a16="http://schemas.microsoft.com/office/drawing/2014/main" id="{77FFC429-6A4C-BF40-9A71-BE3BD84EA317}"/>
+              </a:ext>
+            </a:extLst>
+          </p:cNvPr>
+          <p:cNvSpPr>
+            <a:spLocks noGrp="1"/>
+          </p:cNvSpPr>
+          <p:nvPr>
+            <p:ph idx="1"/>
+          </p:nvPr>
+        </p:nvSpPr>
+        <p:spPr/>
+        <p:txBody>
+          <a:bodyPr>
+            <a:normAutofit/>
+          </a:bodyPr>
+          <a:lstStyle/>
+          <a:p>
+            <a:r>
+              <a:rPr lang="en-US" dirty="0"/>
+              <a:t>Learn about different types of network attacks</a:t>
+            </a:r>
+          </a:p>
+          <a:p>
+            <a:endParaRPr lang="en-US" dirty="0"/>
+          </a:p>
+          <a:p>
+            <a:r>
+              <a:rPr lang="en-US" dirty="0"/>
+              <a:t>Discover simple examples showing how machine learning can be applied to cyberattack detection</a:t>
+            </a:r>
+          </a:p>
+          <a:p>
+            <a:endParaRPr lang="en-US" dirty="0"/>
+          </a:p>
+          <a:p>
+            <a:r>
+              <a:rPr lang="en-US" dirty="0"/>
+              <a:t>Learn about the different approaches to detection, supervised and unsupervised learning</a:t>
+            </a:r>
+          </a:p>
+          <a:p>
+            <a:endParaRPr lang="en-US" sz="3600" dirty="0"/>
+          </a:p>
+        </p:txBody>
+      </p:sp>
+      <p:sp>
+        <p:nvSpPr>
+          <p:cNvPr id="2" name="Rectangle 1">
+            <a:extLst>
+              <a:ext uri="{FF2B5EF4-FFF2-40B4-BE49-F238E27FC236}">
+                <a16:creationId xmlns:a16="http://schemas.microsoft.com/office/drawing/2014/main" id="{7FC24F19-3DD5-5C43-BEA4-9301D7067CC3}"/>
+              </a:ext>
+            </a:extLst>
+          </p:cNvPr>
+          <p:cNvSpPr/>
+          <p:nvPr/>
+        </p:nvSpPr>
+        <p:spPr>
+          <a:xfrm>
+            <a:off x="5971607" y="3244334"/>
+            <a:ext cx="248786" cy="369332"/>
+          </a:xfrm>
+          <a:prstGeom prst="rect">
+            <a:avLst/>
+          </a:prstGeom>
+        </p:spPr>
+        <p:txBody>
+          <a:bodyPr wrap="none">
+            <a:spAutoFit/>
+          </a:bodyPr>
+          <a:lstStyle/>
+          <a:p>
+            <a:r>
+              <a:rPr lang="en-US" dirty="0"/>
+              <a:t> </a:t>
+            </a:r>
+          </a:p>
+        </p:txBody>
+      </p:sp>
+      <p:sp>
+        <p:nvSpPr>
+          <p:cNvPr id="5" name="Rectangle 4">
+            <a:extLst>
+              <a:ext uri="{FF2B5EF4-FFF2-40B4-BE49-F238E27FC236}">
+                <a16:creationId xmlns:a16="http://schemas.microsoft.com/office/drawing/2014/main" id="{E0AAFE49-B8D5-2E4E-9003-78CF785F79E8}"/>
+              </a:ext>
+            </a:extLst>
+          </p:cNvPr>
+          <p:cNvSpPr/>
+          <p:nvPr/>
+        </p:nvSpPr>
+        <p:spPr>
+          <a:xfrm>
+            <a:off x="5971607" y="3244334"/>
+            <a:ext cx="248786" cy="369332"/>
+          </a:xfrm>
+          <a:prstGeom prst="rect">
+            <a:avLst/>
+          </a:prstGeom>
+        </p:spPr>
+        <p:txBody>
+          <a:bodyPr wrap="none">
+            <a:spAutoFit/>
+          </a:bodyPr>
+          <a:lstStyle/>
+          <a:p>
+            <a:r>
+              <a:rPr lang="en-US" dirty="0"/>
+              <a:t> </a:t>
+            </a:r>
+          </a:p>
+        </p:txBody>
+      </p:sp>
+    </p:spTree>
+    <p:extLst>
+      <p:ext uri="{BB962C8B-B14F-4D97-AF65-F5344CB8AC3E}">
+        <p14:creationId xmlns:p14="http://schemas.microsoft.com/office/powerpoint/2010/main" val="2171205621"/>
+      </p:ext>
+    </p:extLst>
+  </p:cSld>
+  <p:clrMapOvr>
+    <a:masterClrMapping/>
+  </p:clrMapOvr>
+</p:sld>
+</file>
+
+<file path=ppt/slides/slide5.xml><?xml version="1.0" encoding="utf-8"?>
+<p:sld xmlns:a="http://schemas.openxmlformats.org/drawingml/2006/main" xmlns:r="http://schemas.openxmlformats.org/officeDocument/2006/relationships" xmlns:p="http://schemas.openxmlformats.org/presentationml/2006/main">
+  <p:cSld>
+    <p:spTree>
+      <p:nvGrpSpPr>
+        <p:cNvPr id="1" name=""/>
+        <p:cNvGrpSpPr/>
+        <p:nvPr/>
+      </p:nvGrpSpPr>
+      <p:grpSpPr>
+        <a:xfrm>
+          <a:off x="0" y="0"/>
+          <a:ext cx="0" cy="0"/>
+          <a:chOff x="0" y="0"/>
+          <a:chExt cx="0" cy="0"/>
+        </a:xfrm>
+      </p:grpSpPr>
+      <p:sp>
+        <p:nvSpPr>
           <p:cNvPr id="5" name="Title 4">
             <a:extLst>
               <a:ext uri="{FF2B5EF4-FFF2-40B4-BE49-F238E27FC236}">
@@ -13503,7 +14381,7 @@
 </p:sld>
 </file>
 
-<file path=ppt/slides/slide5.xml><?xml version="1.0" encoding="utf-8"?>
+<file path=ppt/slides/slide6.xml><?xml version="1.0" encoding="utf-8"?>
 <p:sld xmlns:a="http://schemas.openxmlformats.org/drawingml/2006/main" xmlns:r="http://schemas.openxmlformats.org/officeDocument/2006/relationships" xmlns:p="http://schemas.openxmlformats.org/presentationml/2006/main">
   <p:cSld>
     <p:spTree>
@@ -13632,7 +14510,7 @@
 </p:sld>
 </file>
 
-<file path=ppt/slides/slide6.xml><?xml version="1.0" encoding="utf-8"?>
+<file path=ppt/slides/slide7.xml><?xml version="1.0" encoding="utf-8"?>
 <p:sld xmlns:a="http://schemas.openxmlformats.org/drawingml/2006/main" xmlns:r="http://schemas.openxmlformats.org/officeDocument/2006/relationships" xmlns:p="http://schemas.openxmlformats.org/presentationml/2006/main">
   <p:cSld>
     <p:spTree>
@@ -14190,75 +15068,6 @@
 </p:sld>
 </file>
 
-<file path=ppt/slides/slide7.xml><?xml version="1.0" encoding="utf-8"?>
-<p:sld xmlns:a="http://schemas.openxmlformats.org/drawingml/2006/main" xmlns:r="http://schemas.openxmlformats.org/officeDocument/2006/relationships" xmlns:p="http://schemas.openxmlformats.org/presentationml/2006/main">
-  <p:cSld>
-    <p:spTree>
-      <p:nvGrpSpPr>
-        <p:cNvPr id="1" name=""/>
-        <p:cNvGrpSpPr/>
-        <p:nvPr/>
-      </p:nvGrpSpPr>
-      <p:grpSpPr>
-        <a:xfrm>
-          <a:off x="0" y="0"/>
-          <a:ext cx="0" cy="0"/>
-          <a:chOff x="0" y="0"/>
-          <a:chExt cx="0" cy="0"/>
-        </a:xfrm>
-      </p:grpSpPr>
-      <p:sp>
-        <p:nvSpPr>
-          <p:cNvPr id="5" name="Title 4">
-            <a:extLst>
-              <a:ext uri="{FF2B5EF4-FFF2-40B4-BE49-F238E27FC236}">
-                <a16:creationId xmlns:a16="http://schemas.microsoft.com/office/drawing/2014/main" id="{3C485A7A-6D4C-6449-95D3-D40C9E876BB6}"/>
-              </a:ext>
-            </a:extLst>
-          </p:cNvPr>
-          <p:cNvSpPr>
-            <a:spLocks noGrp="1"/>
-          </p:cNvSpPr>
-          <p:nvPr>
-            <p:ph type="ctrTitle"/>
-          </p:nvPr>
-        </p:nvSpPr>
-        <p:spPr/>
-        <p:txBody>
-          <a:bodyPr>
-            <a:normAutofit/>
-          </a:bodyPr>
-          <a:lstStyle/>
-          <a:p>
-            <a:r>
-              <a:rPr lang="en-US" sz="4000" dirty="0" err="1"/>
-              <a:t>NaÏVE</a:t>
-            </a:r>
-            <a:r>
-              <a:rPr lang="en-US" sz="4000" dirty="0"/>
-              <a:t> BAYES </a:t>
-            </a:r>
-            <a:r>
-              <a:rPr lang="en-US" sz="4000" dirty="0" err="1"/>
-              <a:t>DEtection</a:t>
-            </a:r>
-            <a:endParaRPr lang="en-US" sz="4000" dirty="0"/>
-          </a:p>
-        </p:txBody>
-      </p:sp>
-    </p:spTree>
-    <p:extLst>
-      <p:ext uri="{BB962C8B-B14F-4D97-AF65-F5344CB8AC3E}">
-        <p14:creationId xmlns:p14="http://schemas.microsoft.com/office/powerpoint/2010/main" val="2433517829"/>
-      </p:ext>
-    </p:extLst>
-  </p:cSld>
-  <p:clrMapOvr>
-    <a:masterClrMapping/>
-  </p:clrMapOvr>
-</p:sld>
-</file>
-
 <file path=ppt/slides/slide8.xml><?xml version="1.0" encoding="utf-8"?>
 <p:sld xmlns:a="http://schemas.openxmlformats.org/drawingml/2006/main" xmlns:r="http://schemas.openxmlformats.org/officeDocument/2006/relationships" xmlns:p="http://schemas.openxmlformats.org/presentationml/2006/main">
   <p:cSld>
@@ -14281,7 +15090,7 @@
           <p:cNvPr id="5" name="Title 4">
             <a:extLst>
               <a:ext uri="{FF2B5EF4-FFF2-40B4-BE49-F238E27FC236}">
-                <a16:creationId xmlns:a16="http://schemas.microsoft.com/office/drawing/2014/main" id="{4E2547A2-3929-504C-B491-D57575516C79}"/>
+                <a16:creationId xmlns:a16="http://schemas.microsoft.com/office/drawing/2014/main" id="{3C485A7A-6D4C-6449-95D3-D40C9E876BB6}"/>
               </a:ext>
             </a:extLst>
           </p:cNvPr>
@@ -14289,109 +15098,36 @@
             <a:spLocks noGrp="1"/>
           </p:cNvSpPr>
           <p:nvPr>
-            <p:ph type="title"/>
+            <p:ph type="ctrTitle"/>
           </p:nvPr>
         </p:nvSpPr>
         <p:spPr/>
         <p:txBody>
-          <a:bodyPr/>
+          <a:bodyPr>
+            <a:normAutofit/>
+          </a:bodyPr>
           <a:lstStyle/>
           <a:p>
             <a:r>
-              <a:rPr lang="en-US" dirty="0"/>
-              <a:t>Simple Example: Naïve Bayes</a:t>
-            </a:r>
-          </a:p>
-        </p:txBody>
-      </p:sp>
-      <p:sp>
-        <p:nvSpPr>
-          <p:cNvPr id="6" name="Content Placeholder 5">
-            <a:extLst>
-              <a:ext uri="{FF2B5EF4-FFF2-40B4-BE49-F238E27FC236}">
-                <a16:creationId xmlns:a16="http://schemas.microsoft.com/office/drawing/2014/main" id="{EA0BDB3B-E648-A74B-9CD8-3E55D1D39FFD}"/>
-              </a:ext>
-            </a:extLst>
-          </p:cNvPr>
-          <p:cNvSpPr>
-            <a:spLocks noGrp="1"/>
-          </p:cNvSpPr>
-          <p:nvPr>
-            <p:ph idx="1"/>
-          </p:nvPr>
-        </p:nvSpPr>
-        <p:spPr/>
-        <p:txBody>
-          <a:bodyPr/>
-          <a:lstStyle/>
-          <a:p>
-            <a:r>
-              <a:rPr lang="en-US" dirty="0"/>
-              <a:t>Intuition: Words in spam emails differ from those in legitimate email.</a:t>
-            </a:r>
-          </a:p>
-          <a:p>
-            <a:endParaRPr lang="en-US" dirty="0"/>
-          </a:p>
-          <a:p>
-            <a:r>
-              <a:rPr lang="en-US" dirty="0"/>
-              <a:t>Can use prior probabilities of seeing a word, given spam or ham, to compute posteriors of spam or ham.</a:t>
-            </a:r>
-          </a:p>
-          <a:p>
-            <a:endParaRPr lang="en-US" dirty="0"/>
-          </a:p>
-          <a:p>
-            <a:r>
-              <a:rPr lang="en-US" dirty="0"/>
-              <a:t>Common early-stage spam filter (e.g., </a:t>
-            </a:r>
-            <a:r>
-              <a:rPr lang="en-US" dirty="0" err="1"/>
-              <a:t>SpamAssassin</a:t>
-            </a:r>
-            <a:r>
-              <a:rPr lang="en-US" dirty="0"/>
-              <a:t>)</a:t>
-            </a:r>
-          </a:p>
-        </p:txBody>
-      </p:sp>
-      <p:sp>
-        <p:nvSpPr>
-          <p:cNvPr id="4" name="Slide Number Placeholder 3">
-            <a:extLst>
-              <a:ext uri="{FF2B5EF4-FFF2-40B4-BE49-F238E27FC236}">
-                <a16:creationId xmlns:a16="http://schemas.microsoft.com/office/drawing/2014/main" id="{C89EADC0-0074-1044-B99A-E9C79066FD4F}"/>
-              </a:ext>
-            </a:extLst>
-          </p:cNvPr>
-          <p:cNvSpPr>
-            <a:spLocks noGrp="1"/>
-          </p:cNvSpPr>
-          <p:nvPr>
-            <p:ph type="sldNum" sz="quarter" idx="12"/>
-          </p:nvPr>
-        </p:nvSpPr>
-        <p:spPr/>
-        <p:txBody>
-          <a:bodyPr/>
-          <a:lstStyle/>
-          <a:p>
-            <a:fld id="{256CE055-ECFD-9048-9FD8-7E2D8656A4F7}" type="slidenum">
-              <a:rPr lang="en-US" smtClean="0"/>
-              <a:pPr/>
-              <a:t>8</a:t>
-            </a:fld>
-            <a:endParaRPr lang="en-US" dirty="0"/>
+              <a:rPr lang="en-US" sz="4000" dirty="0" err="1"/>
+              <a:t>NaÏVE</a:t>
+            </a:r>
+            <a:r>
+              <a:rPr lang="en-US" sz="4000" dirty="0"/>
+              <a:t> BAYES </a:t>
+            </a:r>
+            <a:r>
+              <a:rPr lang="en-US" sz="4000" dirty="0" err="1"/>
+              <a:t>DEtection</a:t>
+            </a:r>
+            <a:endParaRPr lang="en-US" sz="4000" dirty="0"/>
           </a:p>
         </p:txBody>
       </p:sp>
     </p:spTree>
     <p:extLst>
       <p:ext uri="{BB962C8B-B14F-4D97-AF65-F5344CB8AC3E}">
-        <p14:creationId xmlns:p14="http://schemas.microsoft.com/office/powerpoint/2010/main" val="2421584383"/>
+        <p14:creationId xmlns:p14="http://schemas.microsoft.com/office/powerpoint/2010/main" val="2433517829"/>
       </p:ext>
     </p:extLst>
   </p:cSld>
@@ -14420,10 +15156,92 @@
       </p:grpSpPr>
       <p:sp>
         <p:nvSpPr>
+          <p:cNvPr id="5" name="Title 4">
+            <a:extLst>
+              <a:ext uri="{FF2B5EF4-FFF2-40B4-BE49-F238E27FC236}">
+                <a16:creationId xmlns:a16="http://schemas.microsoft.com/office/drawing/2014/main" id="{4E2547A2-3929-504C-B491-D57575516C79}"/>
+              </a:ext>
+            </a:extLst>
+          </p:cNvPr>
+          <p:cNvSpPr>
+            <a:spLocks noGrp="1"/>
+          </p:cNvSpPr>
+          <p:nvPr>
+            <p:ph type="title"/>
+          </p:nvPr>
+        </p:nvSpPr>
+        <p:spPr/>
+        <p:txBody>
+          <a:bodyPr/>
+          <a:lstStyle/>
+          <a:p>
+            <a:r>
+              <a:rPr lang="en-US" dirty="0"/>
+              <a:t>Simple Example: Naïve Bayes</a:t>
+            </a:r>
+          </a:p>
+        </p:txBody>
+      </p:sp>
+      <p:sp>
+        <p:nvSpPr>
+          <p:cNvPr id="6" name="Content Placeholder 5">
+            <a:extLst>
+              <a:ext uri="{FF2B5EF4-FFF2-40B4-BE49-F238E27FC236}">
+                <a16:creationId xmlns:a16="http://schemas.microsoft.com/office/drawing/2014/main" id="{EA0BDB3B-E648-A74B-9CD8-3E55D1D39FFD}"/>
+              </a:ext>
+            </a:extLst>
+          </p:cNvPr>
+          <p:cNvSpPr>
+            <a:spLocks noGrp="1"/>
+          </p:cNvSpPr>
+          <p:nvPr>
+            <p:ph idx="1"/>
+          </p:nvPr>
+        </p:nvSpPr>
+        <p:spPr/>
+        <p:txBody>
+          <a:bodyPr/>
+          <a:lstStyle/>
+          <a:p>
+            <a:r>
+              <a:rPr lang="en-US" dirty="0"/>
+              <a:t>Intuition: Words in spam emails differ from those in legitimate email.</a:t>
+            </a:r>
+          </a:p>
+          <a:p>
+            <a:endParaRPr lang="en-US" dirty="0"/>
+          </a:p>
+          <a:p>
+            <a:r>
+              <a:rPr lang="en-US" dirty="0"/>
+              <a:t>Can use prior probabilities of seeing a word, given spam or ham, to compute posteriors of spam or ham.</a:t>
+            </a:r>
+          </a:p>
+          <a:p>
+            <a:endParaRPr lang="en-US" dirty="0"/>
+          </a:p>
+          <a:p>
+            <a:r>
+              <a:rPr lang="en-US" dirty="0"/>
+              <a:t>Common early-stage spam filter (e.g., </a:t>
+            </a:r>
+            <a:r>
+              <a:rPr lang="en-US" dirty="0" err="1"/>
+              <a:t>SpamAssassin</a:t>
+            </a:r>
+            <a:r>
+              <a:rPr lang="en-US" dirty="0"/>
+              <a:t>)</a:t>
+            </a:r>
+          </a:p>
+        </p:txBody>
+      </p:sp>
+      <p:sp>
+        <p:nvSpPr>
           <p:cNvPr id="4" name="Slide Number Placeholder 3">
             <a:extLst>
               <a:ext uri="{FF2B5EF4-FFF2-40B4-BE49-F238E27FC236}">
-                <a16:creationId xmlns:a16="http://schemas.microsoft.com/office/drawing/2014/main" id="{E8315983-1A0A-F946-8B47-745D62F8B4F8}"/>
+                <a16:creationId xmlns:a16="http://schemas.microsoft.com/office/drawing/2014/main" id="{C89EADC0-0074-1044-B99A-E9C79066FD4F}"/>
               </a:ext>
             </a:extLst>
           </p:cNvPr>
@@ -14448,40 +15266,10 @@
           </a:p>
         </p:txBody>
       </p:sp>
-      <p:pic>
-        <p:nvPicPr>
-          <p:cNvPr id="5" name="Picture 4">
-            <a:extLst>
-              <a:ext uri="{FF2B5EF4-FFF2-40B4-BE49-F238E27FC236}">
-                <a16:creationId xmlns:a16="http://schemas.microsoft.com/office/drawing/2014/main" id="{4D5A34B4-FFB1-F844-A741-9019466DEC8A}"/>
-              </a:ext>
-            </a:extLst>
-          </p:cNvPr>
-          <p:cNvPicPr>
-            <a:picLocks noChangeAspect="1"/>
-          </p:cNvPicPr>
-          <p:nvPr/>
-        </p:nvPicPr>
-        <p:blipFill>
-          <a:blip r:embed="rId2"/>
-          <a:stretch>
-            <a:fillRect/>
-          </a:stretch>
-        </p:blipFill>
-        <p:spPr>
-          <a:xfrm>
-            <a:off x="1377829" y="112064"/>
-            <a:ext cx="9357453" cy="5868112"/>
-          </a:xfrm>
-          <a:prstGeom prst="rect">
-            <a:avLst/>
-          </a:prstGeom>
-        </p:spPr>
-      </p:pic>
     </p:spTree>
     <p:extLst>
       <p:ext uri="{BB962C8B-B14F-4D97-AF65-F5344CB8AC3E}">
-        <p14:creationId xmlns:p14="http://schemas.microsoft.com/office/powerpoint/2010/main" val="966193772"/>
+        <p14:creationId xmlns:p14="http://schemas.microsoft.com/office/powerpoint/2010/main" val="2421584383"/>
       </p:ext>
     </p:extLst>
   </p:cSld>
